--- a/projectPipeline.pptx
+++ b/projectPipeline.pptx
@@ -6,7 +6,9 @@
   </p:sldMasterIdLst>
   <p:sldIdLst>
     <p:sldId id="256" r:id="rId2"/>
-    <p:sldId id="257" r:id="rId3"/>
+    <p:sldId id="258" r:id="rId3"/>
+    <p:sldId id="259" r:id="rId4"/>
+    <p:sldId id="257" r:id="rId5"/>
   </p:sldIdLst>
   <p:sldSz cx="12192000" cy="6858000"/>
   <p:notesSz cx="6858000" cy="9144000"/>
@@ -260,7 +262,7 @@
           <a:p>
             <a:fld id="{0930671A-9690-4A64-B5DD-737DB0C6AD00}" type="datetimeFigureOut">
               <a:rPr lang="da-DK" smtClean="0"/>
-              <a:t>11-03-2020</a:t>
+              <a:t>11-06-2020</a:t>
             </a:fld>
             <a:endParaRPr lang="da-DK"/>
           </a:p>
@@ -458,7 +460,7 @@
           <a:p>
             <a:fld id="{0930671A-9690-4A64-B5DD-737DB0C6AD00}" type="datetimeFigureOut">
               <a:rPr lang="da-DK" smtClean="0"/>
-              <a:t>11-03-2020</a:t>
+              <a:t>11-06-2020</a:t>
             </a:fld>
             <a:endParaRPr lang="da-DK"/>
           </a:p>
@@ -666,7 +668,7 @@
           <a:p>
             <a:fld id="{0930671A-9690-4A64-B5DD-737DB0C6AD00}" type="datetimeFigureOut">
               <a:rPr lang="da-DK" smtClean="0"/>
-              <a:t>11-03-2020</a:t>
+              <a:t>11-06-2020</a:t>
             </a:fld>
             <a:endParaRPr lang="da-DK"/>
           </a:p>
@@ -864,7 +866,7 @@
           <a:p>
             <a:fld id="{0930671A-9690-4A64-B5DD-737DB0C6AD00}" type="datetimeFigureOut">
               <a:rPr lang="da-DK" smtClean="0"/>
-              <a:t>11-03-2020</a:t>
+              <a:t>11-06-2020</a:t>
             </a:fld>
             <a:endParaRPr lang="da-DK"/>
           </a:p>
@@ -1139,7 +1141,7 @@
           <a:p>
             <a:fld id="{0930671A-9690-4A64-B5DD-737DB0C6AD00}" type="datetimeFigureOut">
               <a:rPr lang="da-DK" smtClean="0"/>
-              <a:t>11-03-2020</a:t>
+              <a:t>11-06-2020</a:t>
             </a:fld>
             <a:endParaRPr lang="da-DK"/>
           </a:p>
@@ -1404,7 +1406,7 @@
           <a:p>
             <a:fld id="{0930671A-9690-4A64-B5DD-737DB0C6AD00}" type="datetimeFigureOut">
               <a:rPr lang="da-DK" smtClean="0"/>
-              <a:t>11-03-2020</a:t>
+              <a:t>11-06-2020</a:t>
             </a:fld>
             <a:endParaRPr lang="da-DK"/>
           </a:p>
@@ -1816,7 +1818,7 @@
           <a:p>
             <a:fld id="{0930671A-9690-4A64-B5DD-737DB0C6AD00}" type="datetimeFigureOut">
               <a:rPr lang="da-DK" smtClean="0"/>
-              <a:t>11-03-2020</a:t>
+              <a:t>11-06-2020</a:t>
             </a:fld>
             <a:endParaRPr lang="da-DK"/>
           </a:p>
@@ -1957,7 +1959,7 @@
           <a:p>
             <a:fld id="{0930671A-9690-4A64-B5DD-737DB0C6AD00}" type="datetimeFigureOut">
               <a:rPr lang="da-DK" smtClean="0"/>
-              <a:t>11-03-2020</a:t>
+              <a:t>11-06-2020</a:t>
             </a:fld>
             <a:endParaRPr lang="da-DK"/>
           </a:p>
@@ -2070,7 +2072,7 @@
           <a:p>
             <a:fld id="{0930671A-9690-4A64-B5DD-737DB0C6AD00}" type="datetimeFigureOut">
               <a:rPr lang="da-DK" smtClean="0"/>
-              <a:t>11-03-2020</a:t>
+              <a:t>11-06-2020</a:t>
             </a:fld>
             <a:endParaRPr lang="da-DK"/>
           </a:p>
@@ -2381,7 +2383,7 @@
           <a:p>
             <a:fld id="{0930671A-9690-4A64-B5DD-737DB0C6AD00}" type="datetimeFigureOut">
               <a:rPr lang="da-DK" smtClean="0"/>
-              <a:t>11-03-2020</a:t>
+              <a:t>11-06-2020</a:t>
             </a:fld>
             <a:endParaRPr lang="da-DK"/>
           </a:p>
@@ -2669,7 +2671,7 @@
           <a:p>
             <a:fld id="{0930671A-9690-4A64-B5DD-737DB0C6AD00}" type="datetimeFigureOut">
               <a:rPr lang="da-DK" smtClean="0"/>
-              <a:t>11-03-2020</a:t>
+              <a:t>11-06-2020</a:t>
             </a:fld>
             <a:endParaRPr lang="da-DK"/>
           </a:p>
@@ -2910,7 +2912,7 @@
           <a:p>
             <a:fld id="{0930671A-9690-4A64-B5DD-737DB0C6AD00}" type="datetimeFigureOut">
               <a:rPr lang="da-DK" smtClean="0"/>
-              <a:t>11-03-2020</a:t>
+              <a:t>11-06-2020</a:t>
             </a:fld>
             <a:endParaRPr lang="da-DK"/>
           </a:p>
@@ -3739,12 +3741,8 @@
           <a:lstStyle/>
           <a:p>
             <a:r>
-              <a:rPr lang="da-DK" dirty="0" err="1"/>
-              <a:t>Preprocessing</a:t>
-            </a:r>
-            <a:r>
               <a:rPr lang="da-DK" dirty="0"/>
-              <a:t> data:</a:t>
+              <a:t>Preprocessing data:</a:t>
             </a:r>
           </a:p>
         </p:txBody>
@@ -4389,10 +4387,9 @@
           <a:p>
             <a:pPr algn="ctr"/>
             <a:r>
-              <a:rPr lang="da-DK" dirty="0" err="1"/>
+              <a:rPr lang="da-DK" dirty="0"/>
               <a:t>Explainability</a:t>
             </a:r>
-            <a:endParaRPr lang="da-DK" dirty="0"/>
           </a:p>
         </p:txBody>
       </p:sp>
@@ -4489,8 +4486,8 @@
         </p:nvSpPr>
         <p:spPr>
           <a:xfrm>
-            <a:off x="4635415" y="956039"/>
-            <a:ext cx="3224515" cy="2053759"/>
+            <a:off x="2760122" y="860930"/>
+            <a:ext cx="1877798" cy="723874"/>
           </a:xfrm>
           <a:prstGeom prst="roundRect">
             <a:avLst/>
@@ -4521,8 +4518,8 @@
               <a:buChar char="•"/>
             </a:pPr>
             <a:r>
-              <a:rPr lang="da-DK" dirty="0"/>
-              <a:t>Opdeling af signal til hver EEG kanal. </a:t>
+              <a:rPr lang="da-DK" sz="1400" dirty="0"/>
+              <a:t>Filters</a:t>
             </a:r>
           </a:p>
           <a:p>
@@ -4531,18 +4528,38 @@
               <a:buChar char="•"/>
             </a:pPr>
             <a:r>
-              <a:rPr lang="da-DK" dirty="0"/>
-              <a:t>Standardiser BC og TUH.</a:t>
-            </a:r>
-          </a:p>
-        </p:txBody>
-      </p:sp>
-      <p:sp>
-        <p:nvSpPr>
-          <p:cNvPr id="10" name="Rektangel: afrundede hjørner 9">
-            <a:extLst>
-              <a:ext uri="{FF2B5EF4-FFF2-40B4-BE49-F238E27FC236}">
-                <a16:creationId xmlns:a16="http://schemas.microsoft.com/office/drawing/2014/main" id="{030CCD4C-24E3-4952-9651-C79C0638B13A}"/>
+              <a:rPr lang="da-DK" sz="1400" dirty="0" err="1"/>
+              <a:t>Resize</a:t>
+            </a:r>
+            <a:r>
+              <a:rPr lang="da-DK" sz="1400" dirty="0"/>
+              <a:t> and </a:t>
+            </a:r>
+            <a:r>
+              <a:rPr lang="da-DK" sz="1400" dirty="0" err="1"/>
+              <a:t>crop</a:t>
+            </a:r>
+            <a:endParaRPr lang="da-DK" sz="1400" dirty="0"/>
+          </a:p>
+          <a:p>
+            <a:pPr marL="285750" indent="-285750">
+              <a:buFont typeface="Arial" panose="020B0604020202020204" pitchFamily="34" charset="0"/>
+              <a:buChar char="•"/>
+            </a:pPr>
+            <a:r>
+              <a:rPr lang="da-DK" sz="1400" dirty="0" err="1"/>
+              <a:t>Normalization</a:t>
+            </a:r>
+            <a:endParaRPr lang="da-DK" sz="1400" dirty="0"/>
+          </a:p>
+        </p:txBody>
+      </p:sp>
+      <p:sp>
+        <p:nvSpPr>
+          <p:cNvPr id="9" name="Rektangel: afrundede hjørner 8">
+            <a:extLst>
+              <a:ext uri="{FF2B5EF4-FFF2-40B4-BE49-F238E27FC236}">
+                <a16:creationId xmlns:a16="http://schemas.microsoft.com/office/drawing/2014/main" id="{31261C93-B71D-44F6-9A0F-BC012033D552}"/>
               </a:ext>
             </a:extLst>
           </p:cNvPr>
@@ -4551,8 +4568,8 @@
         </p:nvSpPr>
         <p:spPr>
           <a:xfrm>
-            <a:off x="7632740" y="4069876"/>
-            <a:ext cx="2039815" cy="1543805"/>
+            <a:off x="5514731" y="2517653"/>
+            <a:ext cx="1407162" cy="911347"/>
           </a:xfrm>
           <a:prstGeom prst="roundRect">
             <a:avLst/>
@@ -4580,58 +4597,23 @@
           <a:p>
             <a:pPr algn="ctr"/>
             <a:r>
+              <a:rPr lang="da-DK" dirty="0"/>
+              <a:t>Latent </a:t>
+            </a:r>
+            <a:r>
               <a:rPr lang="da-DK" dirty="0" err="1"/>
-              <a:t>Pretrained</a:t>
-            </a:r>
-            <a:r>
-              <a:rPr lang="da-DK" dirty="0"/>
-              <a:t> </a:t>
-            </a:r>
-            <a:r>
-              <a:rPr lang="da-DK" dirty="0" err="1"/>
-              <a:t>ImageNet</a:t>
-            </a:r>
-            <a:r>
-              <a:rPr lang="da-DK" dirty="0"/>
-              <a:t> (CNN). </a:t>
-            </a:r>
-            <a:r>
-              <a:rPr lang="da-DK" dirty="0" err="1"/>
-              <a:t>Add</a:t>
-            </a:r>
-            <a:r>
-              <a:rPr lang="da-DK" dirty="0"/>
-              <a:t> extra </a:t>
-            </a:r>
-            <a:r>
-              <a:rPr lang="da-DK" dirty="0" err="1"/>
-              <a:t>layer</a:t>
-            </a:r>
-            <a:r>
-              <a:rPr lang="da-DK" dirty="0"/>
-              <a:t> and </a:t>
-            </a:r>
-            <a:r>
-              <a:rPr lang="da-DK" dirty="0" err="1"/>
-              <a:t>train</a:t>
-            </a:r>
-            <a:r>
-              <a:rPr lang="da-DK" dirty="0"/>
-              <a:t> on labelled data</a:t>
-            </a:r>
-          </a:p>
-          <a:p>
-            <a:pPr algn="ctr"/>
+              <a:t>space</a:t>
+            </a:r>
             <a:endParaRPr lang="da-DK" dirty="0"/>
           </a:p>
         </p:txBody>
       </p:sp>
       <p:sp>
         <p:nvSpPr>
-          <p:cNvPr id="11" name="Rektangel: afrundede hjørner 10">
-            <a:extLst>
-              <a:ext uri="{FF2B5EF4-FFF2-40B4-BE49-F238E27FC236}">
-                <a16:creationId xmlns:a16="http://schemas.microsoft.com/office/drawing/2014/main" id="{8713450F-01B8-4141-8CA8-1D0D9CA3D672}"/>
+          <p:cNvPr id="10" name="Rektangel: afrundede hjørner 9">
+            <a:extLst>
+              <a:ext uri="{FF2B5EF4-FFF2-40B4-BE49-F238E27FC236}">
+                <a16:creationId xmlns:a16="http://schemas.microsoft.com/office/drawing/2014/main" id="{030CCD4C-24E3-4952-9651-C79C0638B13A}"/>
               </a:ext>
             </a:extLst>
           </p:cNvPr>
@@ -4640,8 +4622,8 @@
         </p:nvSpPr>
         <p:spPr>
           <a:xfrm>
-            <a:off x="764949" y="4474200"/>
-            <a:ext cx="2039815" cy="1292469"/>
+            <a:off x="2957634" y="2490843"/>
+            <a:ext cx="1407162" cy="975663"/>
           </a:xfrm>
           <a:prstGeom prst="roundRect">
             <a:avLst/>
@@ -4670,8 +4652,62 @@
             <a:pPr algn="ctr"/>
             <a:r>
               <a:rPr lang="da-DK" dirty="0"/>
-              <a:t>GMM</a:t>
-            </a:r>
+              <a:t>VGG16</a:t>
+            </a:r>
+          </a:p>
+        </p:txBody>
+      </p:sp>
+      <p:sp>
+        <p:nvSpPr>
+          <p:cNvPr id="12" name="Rektangel: afrundede hjørner 11">
+            <a:extLst>
+              <a:ext uri="{FF2B5EF4-FFF2-40B4-BE49-F238E27FC236}">
+                <a16:creationId xmlns:a16="http://schemas.microsoft.com/office/drawing/2014/main" id="{690B4719-4191-4A9A-9E06-A410C422571B}"/>
+              </a:ext>
+            </a:extLst>
+          </p:cNvPr>
+          <p:cNvSpPr/>
+          <p:nvPr/>
+        </p:nvSpPr>
+        <p:spPr>
+          <a:xfrm>
+            <a:off x="7793392" y="800316"/>
+            <a:ext cx="1642137" cy="845102"/>
+          </a:xfrm>
+          <a:prstGeom prst="roundRect">
+            <a:avLst/>
+          </a:prstGeom>
+        </p:spPr>
+        <p:style>
+          <a:lnRef idx="2">
+            <a:schemeClr val="accent1">
+              <a:shade val="50000"/>
+            </a:schemeClr>
+          </a:lnRef>
+          <a:fillRef idx="1">
+            <a:schemeClr val="accent1"/>
+          </a:fillRef>
+          <a:effectRef idx="0">
+            <a:schemeClr val="accent1"/>
+          </a:effectRef>
+          <a:fontRef idx="minor">
+            <a:schemeClr val="lt1"/>
+          </a:fontRef>
+        </p:style>
+        <p:txBody>
+          <a:bodyPr rtlCol="0" anchor="ctr"/>
+          <a:lstStyle/>
+          <a:p>
+            <a:pPr algn="ctr"/>
+            <a:r>
+              <a:rPr lang="da-DK" dirty="0"/>
+              <a:t>ML </a:t>
+            </a:r>
+            <a:r>
+              <a:rPr lang="da-DK" dirty="0" err="1"/>
+              <a:t>Classification</a:t>
+            </a:r>
+            <a:endParaRPr lang="da-DK" dirty="0"/>
           </a:p>
         </p:txBody>
       </p:sp>
@@ -4697,8 +4733,8 @@
         </p:blipFill>
         <p:spPr>
           <a:xfrm>
-            <a:off x="277463" y="982719"/>
-            <a:ext cx="3038209" cy="1880080"/>
+            <a:off x="364346" y="757611"/>
+            <a:ext cx="1503707" cy="930512"/>
           </a:xfrm>
           <a:prstGeom prst="roundRect">
             <a:avLst>
@@ -4743,8 +4779,8 @@
         </p:nvSpPr>
         <p:spPr>
           <a:xfrm>
-            <a:off x="479526" y="491079"/>
-            <a:ext cx="2376613" cy="369332"/>
+            <a:off x="437231" y="246117"/>
+            <a:ext cx="1357936" cy="369332"/>
           </a:xfrm>
           <a:prstGeom prst="rect">
             <a:avLst/>
@@ -4759,7 +4795,7 @@
           <a:p>
             <a:r>
               <a:rPr lang="da-DK" dirty="0"/>
-              <a:t>Import af et helt signal:</a:t>
+              <a:t>Import data:</a:t>
             </a:r>
           </a:p>
         </p:txBody>
@@ -4778,7 +4814,7 @@
         </p:nvSpPr>
         <p:spPr>
           <a:xfrm>
-            <a:off x="5267071" y="491079"/>
+            <a:off x="2684003" y="241722"/>
             <a:ext cx="2022861" cy="369332"/>
           </a:xfrm>
           <a:prstGeom prst="rect">
@@ -4793,12 +4829,3245 @@
           <a:lstStyle/>
           <a:p>
             <a:r>
+              <a:rPr lang="da-DK" dirty="0"/>
+              <a:t>Preprocessing data:</a:t>
+            </a:r>
+          </a:p>
+        </p:txBody>
+      </p:sp>
+      <p:sp>
+        <p:nvSpPr>
+          <p:cNvPr id="16" name="Tekstfelt 15">
+            <a:extLst>
+              <a:ext uri="{FF2B5EF4-FFF2-40B4-BE49-F238E27FC236}">
+                <a16:creationId xmlns:a16="http://schemas.microsoft.com/office/drawing/2014/main" id="{635F5193-B45A-479A-B610-A0D640E7ABFE}"/>
+              </a:ext>
+            </a:extLst>
+          </p:cNvPr>
+          <p:cNvSpPr txBox="1"/>
+          <p:nvPr/>
+        </p:nvSpPr>
+        <p:spPr>
+          <a:xfrm>
+            <a:off x="5419295" y="241722"/>
+            <a:ext cx="1963999" cy="369332"/>
+          </a:xfrm>
+          <a:prstGeom prst="rect">
+            <a:avLst/>
+          </a:prstGeom>
+          <a:noFill/>
+        </p:spPr>
+        <p:txBody>
+          <a:bodyPr wrap="none" rtlCol="0">
+            <a:spAutoFit/>
+          </a:bodyPr>
+          <a:lstStyle/>
+          <a:p>
+            <a:r>
+              <a:rPr lang="da-DK" dirty="0"/>
+              <a:t>Feature </a:t>
+            </a:r>
+            <a:r>
               <a:rPr lang="da-DK" dirty="0" err="1"/>
+              <a:t>extraction</a:t>
+            </a:r>
+            <a:r>
+              <a:rPr lang="da-DK" dirty="0"/>
+              <a:t>:</a:t>
+            </a:r>
+          </a:p>
+        </p:txBody>
+      </p:sp>
+      <p:sp>
+        <p:nvSpPr>
+          <p:cNvPr id="18" name="Pil: højre 17">
+            <a:extLst>
+              <a:ext uri="{FF2B5EF4-FFF2-40B4-BE49-F238E27FC236}">
+                <a16:creationId xmlns:a16="http://schemas.microsoft.com/office/drawing/2014/main" id="{E76275BD-F706-4F19-AC2E-A406C184083B}"/>
+              </a:ext>
+            </a:extLst>
+          </p:cNvPr>
+          <p:cNvSpPr/>
+          <p:nvPr/>
+        </p:nvSpPr>
+        <p:spPr>
+          <a:xfrm>
+            <a:off x="2091677" y="964249"/>
+            <a:ext cx="580603" cy="517236"/>
+          </a:xfrm>
+          <a:prstGeom prst="rightArrow">
+            <a:avLst/>
+          </a:prstGeom>
+        </p:spPr>
+        <p:style>
+          <a:lnRef idx="2">
+            <a:schemeClr val="accent1">
+              <a:shade val="50000"/>
+            </a:schemeClr>
+          </a:lnRef>
+          <a:fillRef idx="1">
+            <a:schemeClr val="accent1"/>
+          </a:fillRef>
+          <a:effectRef idx="0">
+            <a:schemeClr val="accent1"/>
+          </a:effectRef>
+          <a:fontRef idx="minor">
+            <a:schemeClr val="lt1"/>
+          </a:fontRef>
+        </p:style>
+        <p:txBody>
+          <a:bodyPr rtlCol="0" anchor="ctr"/>
+          <a:lstStyle/>
+          <a:p>
+            <a:pPr algn="ctr"/>
+            <a:endParaRPr lang="da-DK"/>
+          </a:p>
+        </p:txBody>
+      </p:sp>
+      <p:sp>
+        <p:nvSpPr>
+          <p:cNvPr id="19" name="Pil: højre 18">
+            <a:extLst>
+              <a:ext uri="{FF2B5EF4-FFF2-40B4-BE49-F238E27FC236}">
+                <a16:creationId xmlns:a16="http://schemas.microsoft.com/office/drawing/2014/main" id="{C7C8A7A8-9181-4F6B-BCF9-8612AFDE30DE}"/>
+              </a:ext>
+            </a:extLst>
+          </p:cNvPr>
+          <p:cNvSpPr/>
+          <p:nvPr/>
+        </p:nvSpPr>
+        <p:spPr>
+          <a:xfrm>
+            <a:off x="5023248" y="964249"/>
+            <a:ext cx="580603" cy="517236"/>
+          </a:xfrm>
+          <a:prstGeom prst="rightArrow">
+            <a:avLst/>
+          </a:prstGeom>
+        </p:spPr>
+        <p:style>
+          <a:lnRef idx="2">
+            <a:schemeClr val="accent1">
+              <a:shade val="50000"/>
+            </a:schemeClr>
+          </a:lnRef>
+          <a:fillRef idx="1">
+            <a:schemeClr val="accent1"/>
+          </a:fillRef>
+          <a:effectRef idx="0">
+            <a:schemeClr val="accent1"/>
+          </a:effectRef>
+          <a:fontRef idx="minor">
+            <a:schemeClr val="lt1"/>
+          </a:fontRef>
+        </p:style>
+        <p:txBody>
+          <a:bodyPr rtlCol="0" anchor="ctr"/>
+          <a:lstStyle/>
+          <a:p>
+            <a:pPr algn="ctr"/>
+            <a:endParaRPr lang="da-DK"/>
+          </a:p>
+        </p:txBody>
+      </p:sp>
+      <p:sp>
+        <p:nvSpPr>
+          <p:cNvPr id="21" name="Pil: højre 20">
+            <a:extLst>
+              <a:ext uri="{FF2B5EF4-FFF2-40B4-BE49-F238E27FC236}">
+                <a16:creationId xmlns:a16="http://schemas.microsoft.com/office/drawing/2014/main" id="{48B953A4-C477-4D95-B279-A220AC2FCE35}"/>
+              </a:ext>
+            </a:extLst>
+          </p:cNvPr>
+          <p:cNvSpPr/>
+          <p:nvPr/>
+        </p:nvSpPr>
+        <p:spPr>
+          <a:xfrm rot="8829704">
+            <a:off x="1640081" y="3620428"/>
+            <a:ext cx="1028666" cy="400533"/>
+          </a:xfrm>
+          <a:prstGeom prst="rightArrow">
+            <a:avLst/>
+          </a:prstGeom>
+        </p:spPr>
+        <p:style>
+          <a:lnRef idx="2">
+            <a:schemeClr val="accent1">
+              <a:shade val="50000"/>
+            </a:schemeClr>
+          </a:lnRef>
+          <a:fillRef idx="1">
+            <a:schemeClr val="accent1"/>
+          </a:fillRef>
+          <a:effectRef idx="0">
+            <a:schemeClr val="accent1"/>
+          </a:effectRef>
+          <a:fontRef idx="minor">
+            <a:schemeClr val="lt1"/>
+          </a:fontRef>
+        </p:style>
+        <p:txBody>
+          <a:bodyPr rtlCol="0" anchor="ctr"/>
+          <a:lstStyle/>
+          <a:p>
+            <a:pPr algn="ctr"/>
+            <a:endParaRPr lang="da-DK" dirty="0"/>
+          </a:p>
+        </p:txBody>
+      </p:sp>
+      <p:pic>
+        <p:nvPicPr>
+          <p:cNvPr id="4" name="Billede 3" descr="Et billede, der indeholder bord, computer, lys&#10;&#10;Automatisk genereret beskrivelse">
+            <a:extLst>
+              <a:ext uri="{FF2B5EF4-FFF2-40B4-BE49-F238E27FC236}">
+                <a16:creationId xmlns:a16="http://schemas.microsoft.com/office/drawing/2014/main" id="{DF5E422D-A2FD-42DD-B040-0EA8561E7B3C}"/>
+              </a:ext>
+            </a:extLst>
+          </p:cNvPr>
+          <p:cNvPicPr>
+            <a:picLocks noChangeAspect="1"/>
+          </p:cNvPicPr>
+          <p:nvPr/>
+        </p:nvPicPr>
+        <p:blipFill>
+          <a:blip r:embed="rId3">
+            <a:extLst>
+              <a:ext uri="{28A0092B-C50C-407E-A947-70E740481C1C}">
+                <a14:useLocalDpi xmlns:a14="http://schemas.microsoft.com/office/drawing/2010/main" val="0"/>
+              </a:ext>
+            </a:extLst>
+          </a:blip>
+          <a:stretch>
+            <a:fillRect/>
+          </a:stretch>
+        </p:blipFill>
+        <p:spPr>
+          <a:xfrm>
+            <a:off x="5820115" y="757611"/>
+            <a:ext cx="1023978" cy="1023978"/>
+          </a:xfrm>
+          <a:prstGeom prst="rect">
+            <a:avLst/>
+          </a:prstGeom>
+        </p:spPr>
+      </p:pic>
+      <p:sp>
+        <p:nvSpPr>
+          <p:cNvPr id="25" name="Pil: højre 24">
+            <a:extLst>
+              <a:ext uri="{FF2B5EF4-FFF2-40B4-BE49-F238E27FC236}">
+                <a16:creationId xmlns:a16="http://schemas.microsoft.com/office/drawing/2014/main" id="{ED5BDD9D-77BC-42A2-966A-3BCCD74C32FC}"/>
+              </a:ext>
+            </a:extLst>
+          </p:cNvPr>
+          <p:cNvSpPr/>
+          <p:nvPr/>
+        </p:nvSpPr>
+        <p:spPr>
+          <a:xfrm rot="8739508">
+            <a:off x="4802154" y="1900275"/>
+            <a:ext cx="580603" cy="517236"/>
+          </a:xfrm>
+          <a:prstGeom prst="rightArrow">
+            <a:avLst/>
+          </a:prstGeom>
+        </p:spPr>
+        <p:style>
+          <a:lnRef idx="2">
+            <a:schemeClr val="accent1">
+              <a:shade val="50000"/>
+            </a:schemeClr>
+          </a:lnRef>
+          <a:fillRef idx="1">
+            <a:schemeClr val="accent1"/>
+          </a:fillRef>
+          <a:effectRef idx="0">
+            <a:schemeClr val="accent1"/>
+          </a:effectRef>
+          <a:fontRef idx="minor">
+            <a:schemeClr val="lt1"/>
+          </a:fontRef>
+        </p:style>
+        <p:txBody>
+          <a:bodyPr rtlCol="0" anchor="ctr"/>
+          <a:lstStyle/>
+          <a:p>
+            <a:pPr algn="ctr"/>
+            <a:endParaRPr lang="da-DK"/>
+          </a:p>
+        </p:txBody>
+      </p:sp>
+      <p:sp>
+        <p:nvSpPr>
+          <p:cNvPr id="28" name="Pil: højre 27">
+            <a:extLst>
+              <a:ext uri="{FF2B5EF4-FFF2-40B4-BE49-F238E27FC236}">
+                <a16:creationId xmlns:a16="http://schemas.microsoft.com/office/drawing/2014/main" id="{C928F95C-2AEE-465F-959A-C4724DE7DE2B}"/>
+              </a:ext>
+            </a:extLst>
+          </p:cNvPr>
+          <p:cNvSpPr/>
+          <p:nvPr/>
+        </p:nvSpPr>
+        <p:spPr>
+          <a:xfrm>
+            <a:off x="7182018" y="4754817"/>
+            <a:ext cx="580603" cy="517236"/>
+          </a:xfrm>
+          <a:prstGeom prst="rightArrow">
+            <a:avLst/>
+          </a:prstGeom>
+        </p:spPr>
+        <p:style>
+          <a:lnRef idx="2">
+            <a:schemeClr val="accent1">
+              <a:shade val="50000"/>
+            </a:schemeClr>
+          </a:lnRef>
+          <a:fillRef idx="1">
+            <a:schemeClr val="accent1"/>
+          </a:fillRef>
+          <a:effectRef idx="0">
+            <a:schemeClr val="accent1"/>
+          </a:effectRef>
+          <a:fontRef idx="minor">
+            <a:schemeClr val="lt1"/>
+          </a:fontRef>
+        </p:style>
+        <p:txBody>
+          <a:bodyPr rtlCol="0" anchor="ctr"/>
+          <a:lstStyle/>
+          <a:p>
+            <a:pPr algn="ctr"/>
+            <a:endParaRPr lang="da-DK"/>
+          </a:p>
+        </p:txBody>
+      </p:sp>
+      <p:sp>
+        <p:nvSpPr>
+          <p:cNvPr id="29" name="Pil: højre 28">
+            <a:extLst>
+              <a:ext uri="{FF2B5EF4-FFF2-40B4-BE49-F238E27FC236}">
+                <a16:creationId xmlns:a16="http://schemas.microsoft.com/office/drawing/2014/main" id="{B2C3BD5D-0063-485B-B9C6-E3334AE55FF1}"/>
+              </a:ext>
+            </a:extLst>
+          </p:cNvPr>
+          <p:cNvSpPr/>
+          <p:nvPr/>
+        </p:nvSpPr>
+        <p:spPr>
+          <a:xfrm>
+            <a:off x="4620917" y="2714708"/>
+            <a:ext cx="580603" cy="517236"/>
+          </a:xfrm>
+          <a:prstGeom prst="rightArrow">
+            <a:avLst/>
+          </a:prstGeom>
+        </p:spPr>
+        <p:style>
+          <a:lnRef idx="2">
+            <a:schemeClr val="accent1">
+              <a:shade val="50000"/>
+            </a:schemeClr>
+          </a:lnRef>
+          <a:fillRef idx="1">
+            <a:schemeClr val="accent1"/>
+          </a:fillRef>
+          <a:effectRef idx="0">
+            <a:schemeClr val="accent1"/>
+          </a:effectRef>
+          <a:fontRef idx="minor">
+            <a:schemeClr val="lt1"/>
+          </a:fontRef>
+        </p:style>
+        <p:txBody>
+          <a:bodyPr rtlCol="0" anchor="ctr"/>
+          <a:lstStyle/>
+          <a:p>
+            <a:pPr algn="ctr"/>
+            <a:endParaRPr lang="da-DK"/>
+          </a:p>
+        </p:txBody>
+      </p:sp>
+      <p:sp>
+        <p:nvSpPr>
+          <p:cNvPr id="31" name="Rektangel: afrundede hjørner 30">
+            <a:extLst>
+              <a:ext uri="{FF2B5EF4-FFF2-40B4-BE49-F238E27FC236}">
+                <a16:creationId xmlns:a16="http://schemas.microsoft.com/office/drawing/2014/main" id="{CD63E8A3-C575-47AC-AF21-DE1E10DD5EDA}"/>
+              </a:ext>
+            </a:extLst>
+          </p:cNvPr>
+          <p:cNvSpPr/>
+          <p:nvPr/>
+        </p:nvSpPr>
+        <p:spPr>
+          <a:xfrm>
+            <a:off x="8116476" y="2692108"/>
+            <a:ext cx="1347876" cy="636511"/>
+          </a:xfrm>
+          <a:prstGeom prst="roundRect">
+            <a:avLst/>
+          </a:prstGeom>
+        </p:spPr>
+        <p:style>
+          <a:lnRef idx="2">
+            <a:schemeClr val="accent1">
+              <a:shade val="50000"/>
+            </a:schemeClr>
+          </a:lnRef>
+          <a:fillRef idx="1">
+            <a:schemeClr val="accent1"/>
+          </a:fillRef>
+          <a:effectRef idx="0">
+            <a:schemeClr val="accent1"/>
+          </a:effectRef>
+          <a:fontRef idx="minor">
+            <a:schemeClr val="lt1"/>
+          </a:fontRef>
+        </p:style>
+        <p:txBody>
+          <a:bodyPr rtlCol="0" anchor="ctr"/>
+          <a:lstStyle/>
+          <a:p>
+            <a:pPr algn="ctr"/>
+            <a:r>
+              <a:rPr lang="da-DK" sz="1600" dirty="0" err="1"/>
+              <a:t>Visualization</a:t>
+            </a:r>
+            <a:r>
+              <a:rPr lang="da-DK" dirty="0"/>
+              <a:t> </a:t>
+            </a:r>
+          </a:p>
+        </p:txBody>
+      </p:sp>
+      <p:sp>
+        <p:nvSpPr>
+          <p:cNvPr id="35" name="Rektangel: afrundede hjørner 34">
+            <a:extLst>
+              <a:ext uri="{FF2B5EF4-FFF2-40B4-BE49-F238E27FC236}">
+                <a16:creationId xmlns:a16="http://schemas.microsoft.com/office/drawing/2014/main" id="{972A2E65-E9DB-4ADA-A18E-16382E8966B8}"/>
+              </a:ext>
+            </a:extLst>
+          </p:cNvPr>
+          <p:cNvSpPr/>
+          <p:nvPr/>
+        </p:nvSpPr>
+        <p:spPr>
+          <a:xfrm>
+            <a:off x="325609" y="4540177"/>
+            <a:ext cx="1405998" cy="911347"/>
+          </a:xfrm>
+          <a:prstGeom prst="roundRect">
+            <a:avLst/>
+          </a:prstGeom>
+        </p:spPr>
+        <p:style>
+          <a:lnRef idx="2">
+            <a:schemeClr val="accent1">
+              <a:shade val="50000"/>
+            </a:schemeClr>
+          </a:lnRef>
+          <a:fillRef idx="1">
+            <a:schemeClr val="accent1"/>
+          </a:fillRef>
+          <a:effectRef idx="0">
+            <a:schemeClr val="accent1"/>
+          </a:effectRef>
+          <a:fontRef idx="minor">
+            <a:schemeClr val="lt1"/>
+          </a:fontRef>
+        </p:style>
+        <p:txBody>
+          <a:bodyPr rtlCol="0" anchor="ctr"/>
+          <a:lstStyle/>
+          <a:p>
+            <a:pPr algn="ctr"/>
+            <a:r>
+              <a:rPr lang="da-DK" dirty="0" err="1"/>
+              <a:t>Trained</a:t>
+            </a:r>
+            <a:r>
+              <a:rPr lang="da-DK" dirty="0"/>
+              <a:t> VGG16</a:t>
+            </a:r>
+          </a:p>
+        </p:txBody>
+      </p:sp>
+      <p:sp>
+        <p:nvSpPr>
+          <p:cNvPr id="38" name="Pil: højre 37">
+            <a:extLst>
+              <a:ext uri="{FF2B5EF4-FFF2-40B4-BE49-F238E27FC236}">
+                <a16:creationId xmlns:a16="http://schemas.microsoft.com/office/drawing/2014/main" id="{8811A2FF-FE9D-4F04-9324-B22875E606C5}"/>
+              </a:ext>
+            </a:extLst>
+          </p:cNvPr>
+          <p:cNvSpPr/>
+          <p:nvPr/>
+        </p:nvSpPr>
+        <p:spPr>
+          <a:xfrm>
+            <a:off x="7152234" y="2714708"/>
+            <a:ext cx="580603" cy="517236"/>
+          </a:xfrm>
+          <a:prstGeom prst="rightArrow">
+            <a:avLst/>
+          </a:prstGeom>
+        </p:spPr>
+        <p:style>
+          <a:lnRef idx="2">
+            <a:schemeClr val="accent1">
+              <a:shade val="50000"/>
+            </a:schemeClr>
+          </a:lnRef>
+          <a:fillRef idx="1">
+            <a:schemeClr val="accent1"/>
+          </a:fillRef>
+          <a:effectRef idx="0">
+            <a:schemeClr val="accent1"/>
+          </a:effectRef>
+          <a:fontRef idx="minor">
+            <a:schemeClr val="lt1"/>
+          </a:fontRef>
+        </p:style>
+        <p:txBody>
+          <a:bodyPr rtlCol="0" anchor="ctr"/>
+          <a:lstStyle/>
+          <a:p>
+            <a:pPr algn="ctr"/>
+            <a:endParaRPr lang="da-DK"/>
+          </a:p>
+        </p:txBody>
+      </p:sp>
+      <p:sp>
+        <p:nvSpPr>
+          <p:cNvPr id="40" name="Pil: højre 39">
+            <a:extLst>
+              <a:ext uri="{FF2B5EF4-FFF2-40B4-BE49-F238E27FC236}">
+                <a16:creationId xmlns:a16="http://schemas.microsoft.com/office/drawing/2014/main" id="{537EA459-485A-41DD-AB91-768B9F36F880}"/>
+              </a:ext>
+            </a:extLst>
+          </p:cNvPr>
+          <p:cNvSpPr/>
+          <p:nvPr/>
+        </p:nvSpPr>
+        <p:spPr>
+          <a:xfrm>
+            <a:off x="7006702" y="996163"/>
+            <a:ext cx="580603" cy="517236"/>
+          </a:xfrm>
+          <a:prstGeom prst="rightArrow">
+            <a:avLst/>
+          </a:prstGeom>
+        </p:spPr>
+        <p:style>
+          <a:lnRef idx="2">
+            <a:schemeClr val="accent1">
+              <a:shade val="50000"/>
+            </a:schemeClr>
+          </a:lnRef>
+          <a:fillRef idx="1">
+            <a:schemeClr val="accent1"/>
+          </a:fillRef>
+          <a:effectRef idx="0">
+            <a:schemeClr val="accent1"/>
+          </a:effectRef>
+          <a:fontRef idx="minor">
+            <a:schemeClr val="lt1"/>
+          </a:fontRef>
+        </p:style>
+        <p:txBody>
+          <a:bodyPr rtlCol="0" anchor="ctr"/>
+          <a:lstStyle/>
+          <a:p>
+            <a:pPr algn="ctr"/>
+            <a:endParaRPr lang="da-DK"/>
+          </a:p>
+        </p:txBody>
+      </p:sp>
+      <p:cxnSp>
+        <p:nvCxnSpPr>
+          <p:cNvPr id="7" name="Lige pilforbindelse 6">
+            <a:extLst>
+              <a:ext uri="{FF2B5EF4-FFF2-40B4-BE49-F238E27FC236}">
+                <a16:creationId xmlns:a16="http://schemas.microsoft.com/office/drawing/2014/main" id="{8AE90806-638F-47A3-AC08-33F459E81A88}"/>
+              </a:ext>
+            </a:extLst>
+          </p:cNvPr>
+          <p:cNvCxnSpPr/>
+          <p:nvPr/>
+        </p:nvCxnSpPr>
+        <p:spPr>
+          <a:xfrm flipV="1">
+            <a:off x="7001822" y="1686034"/>
+            <a:ext cx="731759" cy="754610"/>
+          </a:xfrm>
+          <a:prstGeom prst="straightConnector1">
+            <a:avLst/>
+          </a:prstGeom>
+          <a:ln>
+            <a:tailEnd type="triangle"/>
+          </a:ln>
+        </p:spPr>
+        <p:style>
+          <a:lnRef idx="1">
+            <a:schemeClr val="accent1"/>
+          </a:lnRef>
+          <a:fillRef idx="0">
+            <a:schemeClr val="accent1"/>
+          </a:fillRef>
+          <a:effectRef idx="0">
+            <a:schemeClr val="accent1"/>
+          </a:effectRef>
+          <a:fontRef idx="minor">
+            <a:schemeClr val="tx1"/>
+          </a:fontRef>
+        </p:style>
+      </p:cxnSp>
+      <p:cxnSp>
+        <p:nvCxnSpPr>
+          <p:cNvPr id="41" name="Lige pilforbindelse 40">
+            <a:extLst>
+              <a:ext uri="{FF2B5EF4-FFF2-40B4-BE49-F238E27FC236}">
+                <a16:creationId xmlns:a16="http://schemas.microsoft.com/office/drawing/2014/main" id="{CF54E8F3-BEBC-4133-8C32-E1482D1F3518}"/>
+              </a:ext>
+            </a:extLst>
+          </p:cNvPr>
+          <p:cNvCxnSpPr>
+            <a:cxnSpLocks/>
+          </p:cNvCxnSpPr>
+          <p:nvPr/>
+        </p:nvCxnSpPr>
+        <p:spPr>
+          <a:xfrm>
+            <a:off x="6921893" y="1781588"/>
+            <a:ext cx="912053" cy="709255"/>
+          </a:xfrm>
+          <a:prstGeom prst="straightConnector1">
+            <a:avLst/>
+          </a:prstGeom>
+          <a:ln>
+            <a:tailEnd type="triangle"/>
+          </a:ln>
+        </p:spPr>
+        <p:style>
+          <a:lnRef idx="1">
+            <a:schemeClr val="accent1"/>
+          </a:lnRef>
+          <a:fillRef idx="0">
+            <a:schemeClr val="accent1"/>
+          </a:fillRef>
+          <a:effectRef idx="0">
+            <a:schemeClr val="accent1"/>
+          </a:effectRef>
+          <a:fontRef idx="minor">
+            <a:schemeClr val="tx1"/>
+          </a:fontRef>
+        </p:style>
+      </p:cxnSp>
+      <p:sp>
+        <p:nvSpPr>
+          <p:cNvPr id="43" name="Pil: højre 42">
+            <a:extLst>
+              <a:ext uri="{FF2B5EF4-FFF2-40B4-BE49-F238E27FC236}">
+                <a16:creationId xmlns:a16="http://schemas.microsoft.com/office/drawing/2014/main" id="{A6EDC891-954B-4737-8B8A-900163DFAB59}"/>
+              </a:ext>
+            </a:extLst>
+          </p:cNvPr>
+          <p:cNvSpPr/>
+          <p:nvPr/>
+        </p:nvSpPr>
+        <p:spPr>
+          <a:xfrm>
+            <a:off x="9785047" y="2714708"/>
+            <a:ext cx="597360" cy="517236"/>
+          </a:xfrm>
+          <a:prstGeom prst="rightArrow">
+            <a:avLst/>
+          </a:prstGeom>
+        </p:spPr>
+        <p:style>
+          <a:lnRef idx="2">
+            <a:schemeClr val="accent1">
+              <a:shade val="50000"/>
+            </a:schemeClr>
+          </a:lnRef>
+          <a:fillRef idx="1">
+            <a:schemeClr val="accent1"/>
+          </a:fillRef>
+          <a:effectRef idx="0">
+            <a:schemeClr val="accent1"/>
+          </a:effectRef>
+          <a:fontRef idx="minor">
+            <a:schemeClr val="lt1"/>
+          </a:fontRef>
+        </p:style>
+        <p:txBody>
+          <a:bodyPr rtlCol="0" anchor="ctr"/>
+          <a:lstStyle/>
+          <a:p>
+            <a:pPr algn="ctr"/>
+            <a:endParaRPr lang="da-DK"/>
+          </a:p>
+        </p:txBody>
+      </p:sp>
+      <p:sp>
+        <p:nvSpPr>
+          <p:cNvPr id="45" name="Rektangel: afrundede hjørner 44">
+            <a:extLst>
+              <a:ext uri="{FF2B5EF4-FFF2-40B4-BE49-F238E27FC236}">
+                <a16:creationId xmlns:a16="http://schemas.microsoft.com/office/drawing/2014/main" id="{506702EB-046B-4550-910E-A9146BA33BF5}"/>
+              </a:ext>
+            </a:extLst>
+          </p:cNvPr>
+          <p:cNvSpPr/>
+          <p:nvPr/>
+        </p:nvSpPr>
+        <p:spPr>
+          <a:xfrm>
+            <a:off x="10658935" y="2490843"/>
+            <a:ext cx="1227685" cy="849768"/>
+          </a:xfrm>
+          <a:prstGeom prst="roundRect">
+            <a:avLst/>
+          </a:prstGeom>
+        </p:spPr>
+        <p:style>
+          <a:lnRef idx="2">
+            <a:schemeClr val="accent1">
+              <a:shade val="50000"/>
+            </a:schemeClr>
+          </a:lnRef>
+          <a:fillRef idx="1">
+            <a:schemeClr val="accent1"/>
+          </a:fillRef>
+          <a:effectRef idx="0">
+            <a:schemeClr val="accent1"/>
+          </a:effectRef>
+          <a:fontRef idx="minor">
+            <a:schemeClr val="lt1"/>
+          </a:fontRef>
+        </p:style>
+        <p:txBody>
+          <a:bodyPr rtlCol="0" anchor="ctr"/>
+          <a:lstStyle/>
+          <a:p>
+            <a:pPr algn="ctr"/>
+            <a:r>
+              <a:rPr lang="da-DK" dirty="0"/>
+              <a:t>Novelty detection</a:t>
+            </a:r>
+          </a:p>
+        </p:txBody>
+      </p:sp>
+      <p:sp>
+        <p:nvSpPr>
+          <p:cNvPr id="46" name="Pil: højre 45">
+            <a:extLst>
+              <a:ext uri="{FF2B5EF4-FFF2-40B4-BE49-F238E27FC236}">
+                <a16:creationId xmlns:a16="http://schemas.microsoft.com/office/drawing/2014/main" id="{F6F0C04E-ADDE-456D-B98F-352FED3A7978}"/>
+              </a:ext>
+            </a:extLst>
+          </p:cNvPr>
+          <p:cNvSpPr/>
+          <p:nvPr/>
+        </p:nvSpPr>
+        <p:spPr>
+          <a:xfrm>
+            <a:off x="4454270" y="4732083"/>
+            <a:ext cx="580603" cy="517236"/>
+          </a:xfrm>
+          <a:prstGeom prst="rightArrow">
+            <a:avLst/>
+          </a:prstGeom>
+        </p:spPr>
+        <p:style>
+          <a:lnRef idx="2">
+            <a:schemeClr val="accent1">
+              <a:shade val="50000"/>
+            </a:schemeClr>
+          </a:lnRef>
+          <a:fillRef idx="1">
+            <a:schemeClr val="accent1"/>
+          </a:fillRef>
+          <a:effectRef idx="0">
+            <a:schemeClr val="accent1"/>
+          </a:effectRef>
+          <a:fontRef idx="minor">
+            <a:schemeClr val="lt1"/>
+          </a:fontRef>
+        </p:style>
+        <p:txBody>
+          <a:bodyPr rtlCol="0" anchor="ctr"/>
+          <a:lstStyle/>
+          <a:p>
+            <a:pPr algn="ctr"/>
+            <a:endParaRPr lang="da-DK"/>
+          </a:p>
+        </p:txBody>
+      </p:sp>
+      <p:sp>
+        <p:nvSpPr>
+          <p:cNvPr id="48" name="Rektangel: afrundede hjørner 47">
+            <a:extLst>
+              <a:ext uri="{FF2B5EF4-FFF2-40B4-BE49-F238E27FC236}">
+                <a16:creationId xmlns:a16="http://schemas.microsoft.com/office/drawing/2014/main" id="{3AD68551-3698-4CE2-AF28-108CCBAB85FB}"/>
+              </a:ext>
+            </a:extLst>
+          </p:cNvPr>
+          <p:cNvSpPr/>
+          <p:nvPr/>
+        </p:nvSpPr>
+        <p:spPr>
+          <a:xfrm>
+            <a:off x="2653454" y="4540177"/>
+            <a:ext cx="1407162" cy="911347"/>
+          </a:xfrm>
+          <a:prstGeom prst="roundRect">
+            <a:avLst/>
+          </a:prstGeom>
+        </p:spPr>
+        <p:style>
+          <a:lnRef idx="2">
+            <a:schemeClr val="accent1">
+              <a:shade val="50000"/>
+            </a:schemeClr>
+          </a:lnRef>
+          <a:fillRef idx="1">
+            <a:schemeClr val="accent1"/>
+          </a:fillRef>
+          <a:effectRef idx="0">
+            <a:schemeClr val="accent1"/>
+          </a:effectRef>
+          <a:fontRef idx="minor">
+            <a:schemeClr val="lt1"/>
+          </a:fontRef>
+        </p:style>
+        <p:txBody>
+          <a:bodyPr rtlCol="0" anchor="ctr"/>
+          <a:lstStyle/>
+          <a:p>
+            <a:pPr algn="ctr"/>
+            <a:r>
+              <a:rPr lang="da-DK" dirty="0"/>
+              <a:t>Latent </a:t>
+            </a:r>
+            <a:r>
+              <a:rPr lang="da-DK" dirty="0" err="1"/>
+              <a:t>space</a:t>
+            </a:r>
+            <a:endParaRPr lang="da-DK" dirty="0"/>
+          </a:p>
+        </p:txBody>
+      </p:sp>
+      <p:sp>
+        <p:nvSpPr>
+          <p:cNvPr id="49" name="Rektangel: afrundede hjørner 48">
+            <a:extLst>
+              <a:ext uri="{FF2B5EF4-FFF2-40B4-BE49-F238E27FC236}">
+                <a16:creationId xmlns:a16="http://schemas.microsoft.com/office/drawing/2014/main" id="{9D18497C-102B-4833-AB68-B04C84B5114E}"/>
+              </a:ext>
+            </a:extLst>
+          </p:cNvPr>
+          <p:cNvSpPr/>
+          <p:nvPr/>
+        </p:nvSpPr>
+        <p:spPr>
+          <a:xfrm>
+            <a:off x="5244325" y="4557762"/>
+            <a:ext cx="1677568" cy="911347"/>
+          </a:xfrm>
+          <a:prstGeom prst="roundRect">
+            <a:avLst/>
+          </a:prstGeom>
+        </p:spPr>
+        <p:style>
+          <a:lnRef idx="2">
+            <a:schemeClr val="accent1">
+              <a:shade val="50000"/>
+            </a:schemeClr>
+          </a:lnRef>
+          <a:fillRef idx="1">
+            <a:schemeClr val="accent1"/>
+          </a:fillRef>
+          <a:effectRef idx="0">
+            <a:schemeClr val="accent1"/>
+          </a:effectRef>
+          <a:fontRef idx="minor">
+            <a:schemeClr val="lt1"/>
+          </a:fontRef>
+        </p:style>
+        <p:txBody>
+          <a:bodyPr rtlCol="0" anchor="ctr"/>
+          <a:lstStyle/>
+          <a:p>
+            <a:pPr algn="ctr"/>
+            <a:r>
+              <a:rPr lang="da-DK" dirty="0"/>
+              <a:t>CNN </a:t>
+            </a:r>
+            <a:r>
+              <a:rPr lang="da-DK" dirty="0" err="1"/>
+              <a:t>Classification</a:t>
+            </a:r>
+            <a:endParaRPr lang="da-DK" dirty="0"/>
+          </a:p>
+        </p:txBody>
+      </p:sp>
+      <p:sp>
+        <p:nvSpPr>
+          <p:cNvPr id="50" name="Pil: højre 49">
+            <a:extLst>
+              <a:ext uri="{FF2B5EF4-FFF2-40B4-BE49-F238E27FC236}">
+                <a16:creationId xmlns:a16="http://schemas.microsoft.com/office/drawing/2014/main" id="{214E187D-D4E5-4BC5-AA5A-8E565C99B69E}"/>
+              </a:ext>
+            </a:extLst>
+          </p:cNvPr>
+          <p:cNvSpPr/>
+          <p:nvPr/>
+        </p:nvSpPr>
+        <p:spPr>
+          <a:xfrm>
+            <a:off x="1933205" y="4712677"/>
+            <a:ext cx="580603" cy="517236"/>
+          </a:xfrm>
+          <a:prstGeom prst="rightArrow">
+            <a:avLst/>
+          </a:prstGeom>
+        </p:spPr>
+        <p:style>
+          <a:lnRef idx="2">
+            <a:schemeClr val="accent1">
+              <a:shade val="50000"/>
+            </a:schemeClr>
+          </a:lnRef>
+          <a:fillRef idx="1">
+            <a:schemeClr val="accent1"/>
+          </a:fillRef>
+          <a:effectRef idx="0">
+            <a:schemeClr val="accent1"/>
+          </a:effectRef>
+          <a:fontRef idx="minor">
+            <a:schemeClr val="lt1"/>
+          </a:fontRef>
+        </p:style>
+        <p:txBody>
+          <a:bodyPr rtlCol="0" anchor="ctr"/>
+          <a:lstStyle/>
+          <a:p>
+            <a:pPr algn="ctr"/>
+            <a:endParaRPr lang="da-DK"/>
+          </a:p>
+        </p:txBody>
+      </p:sp>
+      <p:sp>
+        <p:nvSpPr>
+          <p:cNvPr id="51" name="Rektangel: afrundede hjørner 50">
+            <a:extLst>
+              <a:ext uri="{FF2B5EF4-FFF2-40B4-BE49-F238E27FC236}">
+                <a16:creationId xmlns:a16="http://schemas.microsoft.com/office/drawing/2014/main" id="{B8BAABAA-6F53-4892-A533-CD8AEB8B6CEC}"/>
+              </a:ext>
+            </a:extLst>
+          </p:cNvPr>
+          <p:cNvSpPr/>
+          <p:nvPr/>
+        </p:nvSpPr>
+        <p:spPr>
+          <a:xfrm>
+            <a:off x="8022746" y="4624007"/>
+            <a:ext cx="1412783" cy="845102"/>
+          </a:xfrm>
+          <a:prstGeom prst="roundRect">
+            <a:avLst/>
+          </a:prstGeom>
+        </p:spPr>
+        <p:style>
+          <a:lnRef idx="2">
+            <a:schemeClr val="accent1">
+              <a:shade val="50000"/>
+            </a:schemeClr>
+          </a:lnRef>
+          <a:fillRef idx="1">
+            <a:schemeClr val="accent1"/>
+          </a:fillRef>
+          <a:effectRef idx="0">
+            <a:schemeClr val="accent1"/>
+          </a:effectRef>
+          <a:fontRef idx="minor">
+            <a:schemeClr val="lt1"/>
+          </a:fontRef>
+        </p:style>
+        <p:txBody>
+          <a:bodyPr rtlCol="0" anchor="ctr"/>
+          <a:lstStyle/>
+          <a:p>
+            <a:pPr algn="ctr"/>
+            <a:r>
+              <a:rPr lang="da-DK" dirty="0" err="1"/>
+              <a:t>Saliency</a:t>
+            </a:r>
+            <a:r>
+              <a:rPr lang="da-DK" dirty="0"/>
+              <a:t> </a:t>
+            </a:r>
+            <a:r>
+              <a:rPr lang="da-DK" dirty="0" err="1"/>
+              <a:t>mapping</a:t>
+            </a:r>
+            <a:endParaRPr lang="da-DK" dirty="0"/>
+          </a:p>
+        </p:txBody>
+      </p:sp>
+      <p:sp>
+        <p:nvSpPr>
+          <p:cNvPr id="52" name="Pil: højre 51">
+            <a:extLst>
+              <a:ext uri="{FF2B5EF4-FFF2-40B4-BE49-F238E27FC236}">
+                <a16:creationId xmlns:a16="http://schemas.microsoft.com/office/drawing/2014/main" id="{B06597C4-D39D-40E7-A035-82590859C85A}"/>
+              </a:ext>
+            </a:extLst>
+          </p:cNvPr>
+          <p:cNvSpPr/>
+          <p:nvPr/>
+        </p:nvSpPr>
+        <p:spPr>
+          <a:xfrm>
+            <a:off x="9695654" y="4787940"/>
+            <a:ext cx="597360" cy="517236"/>
+          </a:xfrm>
+          <a:prstGeom prst="rightArrow">
+            <a:avLst/>
+          </a:prstGeom>
+        </p:spPr>
+        <p:style>
+          <a:lnRef idx="2">
+            <a:schemeClr val="accent1">
+              <a:shade val="50000"/>
+            </a:schemeClr>
+          </a:lnRef>
+          <a:fillRef idx="1">
+            <a:schemeClr val="accent1"/>
+          </a:fillRef>
+          <a:effectRef idx="0">
+            <a:schemeClr val="accent1"/>
+          </a:effectRef>
+          <a:fontRef idx="minor">
+            <a:schemeClr val="lt1"/>
+          </a:fontRef>
+        </p:style>
+        <p:txBody>
+          <a:bodyPr rtlCol="0" anchor="ctr"/>
+          <a:lstStyle/>
+          <a:p>
+            <a:pPr algn="ctr"/>
+            <a:endParaRPr lang="da-DK"/>
+          </a:p>
+        </p:txBody>
+      </p:sp>
+      <p:sp>
+        <p:nvSpPr>
+          <p:cNvPr id="53" name="Rektangel: afrundede hjørner 52">
+            <a:extLst>
+              <a:ext uri="{FF2B5EF4-FFF2-40B4-BE49-F238E27FC236}">
+                <a16:creationId xmlns:a16="http://schemas.microsoft.com/office/drawing/2014/main" id="{CB2007E5-DD6A-4541-9E93-3A341038E2D1}"/>
+              </a:ext>
+            </a:extLst>
+          </p:cNvPr>
+          <p:cNvSpPr/>
+          <p:nvPr/>
+        </p:nvSpPr>
+        <p:spPr>
+          <a:xfrm>
+            <a:off x="10536382" y="4601756"/>
+            <a:ext cx="1533065" cy="849768"/>
+          </a:xfrm>
+          <a:prstGeom prst="roundRect">
+            <a:avLst/>
+          </a:prstGeom>
+        </p:spPr>
+        <p:style>
+          <a:lnRef idx="2">
+            <a:schemeClr val="accent1">
+              <a:shade val="50000"/>
+            </a:schemeClr>
+          </a:lnRef>
+          <a:fillRef idx="1">
+            <a:schemeClr val="accent1"/>
+          </a:fillRef>
+          <a:effectRef idx="0">
+            <a:schemeClr val="accent1"/>
+          </a:effectRef>
+          <a:fontRef idx="minor">
+            <a:schemeClr val="lt1"/>
+          </a:fontRef>
+        </p:style>
+        <p:txBody>
+          <a:bodyPr rtlCol="0" anchor="ctr"/>
+          <a:lstStyle/>
+          <a:p>
+            <a:pPr algn="ctr"/>
+            <a:r>
+              <a:rPr lang="da-DK" dirty="0"/>
+              <a:t>Explainability</a:t>
+            </a:r>
+          </a:p>
+        </p:txBody>
+      </p:sp>
+      <p:cxnSp>
+        <p:nvCxnSpPr>
+          <p:cNvPr id="54" name="Lige pilforbindelse 53">
+            <a:extLst>
+              <a:ext uri="{FF2B5EF4-FFF2-40B4-BE49-F238E27FC236}">
+                <a16:creationId xmlns:a16="http://schemas.microsoft.com/office/drawing/2014/main" id="{6D6FF984-28D0-4BB0-B93B-2FDD1038FDE6}"/>
+              </a:ext>
+            </a:extLst>
+          </p:cNvPr>
+          <p:cNvCxnSpPr>
+            <a:cxnSpLocks/>
+          </p:cNvCxnSpPr>
+          <p:nvPr/>
+        </p:nvCxnSpPr>
+        <p:spPr>
+          <a:xfrm>
+            <a:off x="9627700" y="3462606"/>
+            <a:ext cx="754707" cy="933548"/>
+          </a:xfrm>
+          <a:prstGeom prst="straightConnector1">
+            <a:avLst/>
+          </a:prstGeom>
+          <a:ln>
+            <a:tailEnd type="triangle"/>
+          </a:ln>
+        </p:spPr>
+        <p:style>
+          <a:lnRef idx="1">
+            <a:schemeClr val="accent1"/>
+          </a:lnRef>
+          <a:fillRef idx="0">
+            <a:schemeClr val="accent1"/>
+          </a:fillRef>
+          <a:effectRef idx="0">
+            <a:schemeClr val="accent1"/>
+          </a:effectRef>
+          <a:fontRef idx="minor">
+            <a:schemeClr val="tx1"/>
+          </a:fontRef>
+        </p:style>
+      </p:cxnSp>
+      <p:cxnSp>
+        <p:nvCxnSpPr>
+          <p:cNvPr id="56" name="Lige pilforbindelse 55">
+            <a:extLst>
+              <a:ext uri="{FF2B5EF4-FFF2-40B4-BE49-F238E27FC236}">
+                <a16:creationId xmlns:a16="http://schemas.microsoft.com/office/drawing/2014/main" id="{4528C7E8-0EE3-49A0-8ECC-8A3C96708403}"/>
+              </a:ext>
+            </a:extLst>
+          </p:cNvPr>
+          <p:cNvCxnSpPr>
+            <a:cxnSpLocks/>
+          </p:cNvCxnSpPr>
+          <p:nvPr/>
+        </p:nvCxnSpPr>
+        <p:spPr>
+          <a:xfrm flipV="1">
+            <a:off x="9538546" y="3623730"/>
+            <a:ext cx="843861" cy="916447"/>
+          </a:xfrm>
+          <a:prstGeom prst="straightConnector1">
+            <a:avLst/>
+          </a:prstGeom>
+          <a:ln>
+            <a:tailEnd type="triangle"/>
+          </a:ln>
+        </p:spPr>
+        <p:style>
+          <a:lnRef idx="1">
+            <a:schemeClr val="accent1"/>
+          </a:lnRef>
+          <a:fillRef idx="0">
+            <a:schemeClr val="accent1"/>
+          </a:fillRef>
+          <a:effectRef idx="0">
+            <a:schemeClr val="accent1"/>
+          </a:effectRef>
+          <a:fontRef idx="minor">
+            <a:schemeClr val="tx1"/>
+          </a:fontRef>
+        </p:style>
+      </p:cxnSp>
+      <p:cxnSp>
+        <p:nvCxnSpPr>
+          <p:cNvPr id="58" name="Lige pilforbindelse 57">
+            <a:extLst>
+              <a:ext uri="{FF2B5EF4-FFF2-40B4-BE49-F238E27FC236}">
+                <a16:creationId xmlns:a16="http://schemas.microsoft.com/office/drawing/2014/main" id="{158B9F79-95FB-4B9A-AD26-63601CADC84B}"/>
+              </a:ext>
+            </a:extLst>
+          </p:cNvPr>
+          <p:cNvCxnSpPr>
+            <a:cxnSpLocks/>
+          </p:cNvCxnSpPr>
+          <p:nvPr/>
+        </p:nvCxnSpPr>
+        <p:spPr>
+          <a:xfrm flipV="1">
+            <a:off x="4149770" y="3442237"/>
+            <a:ext cx="3612851" cy="1097941"/>
+          </a:xfrm>
+          <a:prstGeom prst="straightConnector1">
+            <a:avLst/>
+          </a:prstGeom>
+          <a:ln>
+            <a:tailEnd type="triangle"/>
+          </a:ln>
+        </p:spPr>
+        <p:style>
+          <a:lnRef idx="1">
+            <a:schemeClr val="accent1"/>
+          </a:lnRef>
+          <a:fillRef idx="0">
+            <a:schemeClr val="accent1"/>
+          </a:fillRef>
+          <a:effectRef idx="0">
+            <a:schemeClr val="accent1"/>
+          </a:effectRef>
+          <a:fontRef idx="minor">
+            <a:schemeClr val="tx1"/>
+          </a:fontRef>
+        </p:style>
+      </p:cxnSp>
+      <p:sp>
+        <p:nvSpPr>
+          <p:cNvPr id="60" name="Pil: højre 59">
+            <a:extLst>
+              <a:ext uri="{FF2B5EF4-FFF2-40B4-BE49-F238E27FC236}">
+                <a16:creationId xmlns:a16="http://schemas.microsoft.com/office/drawing/2014/main" id="{033D2636-7526-40D2-87D8-9FF5CCDBD5E1}"/>
+              </a:ext>
+            </a:extLst>
+          </p:cNvPr>
+          <p:cNvSpPr/>
+          <p:nvPr/>
+        </p:nvSpPr>
+        <p:spPr>
+          <a:xfrm rot="2213558">
+            <a:off x="9507040" y="1823412"/>
+            <a:ext cx="906872" cy="335580"/>
+          </a:xfrm>
+          <a:prstGeom prst="rightArrow">
+            <a:avLst/>
+          </a:prstGeom>
+        </p:spPr>
+        <p:style>
+          <a:lnRef idx="2">
+            <a:schemeClr val="accent1">
+              <a:shade val="50000"/>
+            </a:schemeClr>
+          </a:lnRef>
+          <a:fillRef idx="1">
+            <a:schemeClr val="accent1"/>
+          </a:fillRef>
+          <a:effectRef idx="0">
+            <a:schemeClr val="accent1"/>
+          </a:effectRef>
+          <a:fontRef idx="minor">
+            <a:schemeClr val="lt1"/>
+          </a:fontRef>
+        </p:style>
+        <p:txBody>
+          <a:bodyPr rtlCol="0" anchor="ctr"/>
+          <a:lstStyle/>
+          <a:p>
+            <a:pPr algn="ctr"/>
+            <a:endParaRPr lang="da-DK"/>
+          </a:p>
+        </p:txBody>
+      </p:sp>
+    </p:spTree>
+    <p:extLst>
+      <p:ext uri="{BB962C8B-B14F-4D97-AF65-F5344CB8AC3E}">
+        <p14:creationId xmlns:p14="http://schemas.microsoft.com/office/powerpoint/2010/main" val="239417545"/>
+      </p:ext>
+    </p:extLst>
+  </p:cSld>
+  <p:clrMapOvr>
+    <a:masterClrMapping/>
+  </p:clrMapOvr>
+</p:sld>
+</file>
+
+<file path=ppt/slides/slide3.xml><?xml version="1.0" encoding="utf-8"?>
+<p:sld xmlns:a="http://schemas.openxmlformats.org/drawingml/2006/main" xmlns:r="http://schemas.openxmlformats.org/officeDocument/2006/relationships" xmlns:p="http://schemas.openxmlformats.org/presentationml/2006/main">
+  <p:cSld>
+    <p:spTree>
+      <p:nvGrpSpPr>
+        <p:cNvPr id="1" name=""/>
+        <p:cNvGrpSpPr/>
+        <p:nvPr/>
+      </p:nvGrpSpPr>
+      <p:grpSpPr>
+        <a:xfrm>
+          <a:off x="0" y="0"/>
+          <a:ext cx="0" cy="0"/>
+          <a:chOff x="0" y="0"/>
+          <a:chExt cx="0" cy="0"/>
+        </a:xfrm>
+      </p:grpSpPr>
+      <p:sp>
+        <p:nvSpPr>
+          <p:cNvPr id="100" name="Rektangel 99">
+            <a:extLst>
+              <a:ext uri="{FF2B5EF4-FFF2-40B4-BE49-F238E27FC236}">
+                <a16:creationId xmlns:a16="http://schemas.microsoft.com/office/drawing/2014/main" id="{422E9EF3-B4D7-4E1E-A2F9-2004110E81D9}"/>
+              </a:ext>
+            </a:extLst>
+          </p:cNvPr>
+          <p:cNvSpPr/>
+          <p:nvPr/>
+        </p:nvSpPr>
+        <p:spPr>
+          <a:xfrm>
+            <a:off x="7344452" y="3961842"/>
+            <a:ext cx="4366902" cy="2582530"/>
+          </a:xfrm>
+          <a:prstGeom prst="rect">
+            <a:avLst/>
+          </a:prstGeom>
+          <a:solidFill>
+            <a:srgbClr val="92D050"/>
+          </a:solidFill>
+        </p:spPr>
+        <p:style>
+          <a:lnRef idx="2">
+            <a:schemeClr val="accent1">
+              <a:shade val="50000"/>
+            </a:schemeClr>
+          </a:lnRef>
+          <a:fillRef idx="1">
+            <a:schemeClr val="accent1"/>
+          </a:fillRef>
+          <a:effectRef idx="0">
+            <a:schemeClr val="accent1"/>
+          </a:effectRef>
+          <a:fontRef idx="minor">
+            <a:schemeClr val="lt1"/>
+          </a:fontRef>
+        </p:style>
+        <p:txBody>
+          <a:bodyPr rtlCol="0" anchor="ctr"/>
+          <a:lstStyle/>
+          <a:p>
+            <a:pPr algn="ctr"/>
+            <a:endParaRPr lang="da-DK"/>
+          </a:p>
+        </p:txBody>
+      </p:sp>
+      <p:sp>
+        <p:nvSpPr>
+          <p:cNvPr id="98" name="Rektangel 97">
+            <a:extLst>
+              <a:ext uri="{FF2B5EF4-FFF2-40B4-BE49-F238E27FC236}">
+                <a16:creationId xmlns:a16="http://schemas.microsoft.com/office/drawing/2014/main" id="{59E99A50-C50D-4CC7-9730-795D07FB32D1}"/>
+              </a:ext>
+            </a:extLst>
+          </p:cNvPr>
+          <p:cNvSpPr/>
+          <p:nvPr/>
+        </p:nvSpPr>
+        <p:spPr>
+          <a:xfrm>
+            <a:off x="7367934" y="259430"/>
+            <a:ext cx="4343420" cy="3635761"/>
+          </a:xfrm>
+          <a:prstGeom prst="rect">
+            <a:avLst/>
+          </a:prstGeom>
+          <a:solidFill>
+            <a:srgbClr val="92D050"/>
+          </a:solidFill>
+        </p:spPr>
+        <p:style>
+          <a:lnRef idx="2">
+            <a:schemeClr val="accent1">
+              <a:shade val="50000"/>
+            </a:schemeClr>
+          </a:lnRef>
+          <a:fillRef idx="1">
+            <a:schemeClr val="accent1"/>
+          </a:fillRef>
+          <a:effectRef idx="0">
+            <a:schemeClr val="accent1"/>
+          </a:effectRef>
+          <a:fontRef idx="minor">
+            <a:schemeClr val="lt1"/>
+          </a:fontRef>
+        </p:style>
+        <p:txBody>
+          <a:bodyPr rtlCol="0" anchor="ctr"/>
+          <a:lstStyle/>
+          <a:p>
+            <a:pPr algn="ctr"/>
+            <a:endParaRPr lang="da-DK"/>
+          </a:p>
+        </p:txBody>
+      </p:sp>
+      <p:sp>
+        <p:nvSpPr>
+          <p:cNvPr id="67" name="Rektangel 66">
+            <a:extLst>
+              <a:ext uri="{FF2B5EF4-FFF2-40B4-BE49-F238E27FC236}">
+                <a16:creationId xmlns:a16="http://schemas.microsoft.com/office/drawing/2014/main" id="{42A25A9E-7E6D-4899-966F-01F69D8F51CC}"/>
+              </a:ext>
+            </a:extLst>
+          </p:cNvPr>
+          <p:cNvSpPr/>
+          <p:nvPr/>
+        </p:nvSpPr>
+        <p:spPr>
+          <a:xfrm>
+            <a:off x="91499" y="2678954"/>
+            <a:ext cx="6183160" cy="3865418"/>
+          </a:xfrm>
+          <a:prstGeom prst="rect">
+            <a:avLst/>
+          </a:prstGeom>
+          <a:solidFill>
+            <a:srgbClr val="92D050"/>
+          </a:solidFill>
+        </p:spPr>
+        <p:style>
+          <a:lnRef idx="2">
+            <a:schemeClr val="accent1">
+              <a:shade val="50000"/>
+            </a:schemeClr>
+          </a:lnRef>
+          <a:fillRef idx="1">
+            <a:schemeClr val="accent1"/>
+          </a:fillRef>
+          <a:effectRef idx="0">
+            <a:schemeClr val="accent1"/>
+          </a:effectRef>
+          <a:fontRef idx="minor">
+            <a:schemeClr val="lt1"/>
+          </a:fontRef>
+        </p:style>
+        <p:txBody>
+          <a:bodyPr rtlCol="0" anchor="ctr"/>
+          <a:lstStyle/>
+          <a:p>
+            <a:pPr algn="ctr"/>
+            <a:endParaRPr lang="da-DK"/>
+          </a:p>
+        </p:txBody>
+      </p:sp>
+      <p:sp>
+        <p:nvSpPr>
+          <p:cNvPr id="65" name="Rektangel 64">
+            <a:extLst>
+              <a:ext uri="{FF2B5EF4-FFF2-40B4-BE49-F238E27FC236}">
+                <a16:creationId xmlns:a16="http://schemas.microsoft.com/office/drawing/2014/main" id="{F2FA2ADE-ABA8-4D50-A0BC-8EB6F04672A3}"/>
+              </a:ext>
+            </a:extLst>
+          </p:cNvPr>
+          <p:cNvSpPr/>
+          <p:nvPr/>
+        </p:nvSpPr>
+        <p:spPr>
+          <a:xfrm>
+            <a:off x="219808" y="259430"/>
+            <a:ext cx="6449121" cy="1532506"/>
+          </a:xfrm>
+          <a:prstGeom prst="rect">
+            <a:avLst/>
+          </a:prstGeom>
+          <a:solidFill>
+            <a:srgbClr val="92D050"/>
+          </a:solidFill>
+          <a:ln>
+            <a:solidFill>
+              <a:srgbClr val="92D050"/>
+            </a:solidFill>
+          </a:ln>
+        </p:spPr>
+        <p:style>
+          <a:lnRef idx="2">
+            <a:schemeClr val="accent1">
+              <a:shade val="50000"/>
+            </a:schemeClr>
+          </a:lnRef>
+          <a:fillRef idx="1">
+            <a:schemeClr val="accent1"/>
+          </a:fillRef>
+          <a:effectRef idx="0">
+            <a:schemeClr val="accent1"/>
+          </a:effectRef>
+          <a:fontRef idx="minor">
+            <a:schemeClr val="lt1"/>
+          </a:fontRef>
+        </p:style>
+        <p:txBody>
+          <a:bodyPr rtlCol="0" anchor="ctr"/>
+          <a:lstStyle/>
+          <a:p>
+            <a:pPr algn="ctr"/>
+            <a:endParaRPr lang="da-DK"/>
+          </a:p>
+        </p:txBody>
+      </p:sp>
+      <p:sp>
+        <p:nvSpPr>
+          <p:cNvPr id="5" name="Rektangel: afrundede hjørner 4">
+            <a:extLst>
+              <a:ext uri="{FF2B5EF4-FFF2-40B4-BE49-F238E27FC236}">
+                <a16:creationId xmlns:a16="http://schemas.microsoft.com/office/drawing/2014/main" id="{8E8B6A2D-623B-4C90-A1AA-8F7EA0501AA8}"/>
+              </a:ext>
+            </a:extLst>
+          </p:cNvPr>
+          <p:cNvSpPr/>
+          <p:nvPr/>
+        </p:nvSpPr>
+        <p:spPr>
+          <a:xfrm>
+            <a:off x="2794151" y="682366"/>
+            <a:ext cx="1877798" cy="723874"/>
+          </a:xfrm>
+          <a:prstGeom prst="roundRect">
+            <a:avLst/>
+          </a:prstGeom>
+        </p:spPr>
+        <p:style>
+          <a:lnRef idx="2">
+            <a:schemeClr val="accent1">
+              <a:shade val="50000"/>
+            </a:schemeClr>
+          </a:lnRef>
+          <a:fillRef idx="1">
+            <a:schemeClr val="accent1"/>
+          </a:fillRef>
+          <a:effectRef idx="0">
+            <a:schemeClr val="accent1"/>
+          </a:effectRef>
+          <a:fontRef idx="minor">
+            <a:schemeClr val="lt1"/>
+          </a:fontRef>
+        </p:style>
+        <p:txBody>
+          <a:bodyPr rtlCol="0" anchor="ctr"/>
+          <a:lstStyle/>
+          <a:p>
+            <a:pPr marL="285750" indent="-285750">
+              <a:buFont typeface="Arial" panose="020B0604020202020204" pitchFamily="34" charset="0"/>
+              <a:buChar char="•"/>
+            </a:pPr>
+            <a:r>
+              <a:rPr lang="da-DK" sz="1400" dirty="0"/>
+              <a:t>Filters</a:t>
+            </a:r>
+          </a:p>
+          <a:p>
+            <a:pPr marL="285750" indent="-285750">
+              <a:buFont typeface="Arial" panose="020B0604020202020204" pitchFamily="34" charset="0"/>
+              <a:buChar char="•"/>
+            </a:pPr>
+            <a:r>
+              <a:rPr lang="da-DK" sz="1400" dirty="0" err="1"/>
+              <a:t>Resize</a:t>
+            </a:r>
+            <a:r>
+              <a:rPr lang="da-DK" sz="1400" dirty="0"/>
+              <a:t> and </a:t>
+            </a:r>
+            <a:r>
+              <a:rPr lang="da-DK" sz="1400" dirty="0" err="1"/>
+              <a:t>crop</a:t>
+            </a:r>
+            <a:endParaRPr lang="da-DK" sz="1400" dirty="0"/>
+          </a:p>
+          <a:p>
+            <a:pPr marL="285750" indent="-285750">
+              <a:buFont typeface="Arial" panose="020B0604020202020204" pitchFamily="34" charset="0"/>
+              <a:buChar char="•"/>
+            </a:pPr>
+            <a:r>
+              <a:rPr lang="da-DK" sz="1400" dirty="0" err="1"/>
+              <a:t>Normalization</a:t>
+            </a:r>
+            <a:endParaRPr lang="da-DK" sz="1400" dirty="0"/>
+          </a:p>
+        </p:txBody>
+      </p:sp>
+      <p:sp>
+        <p:nvSpPr>
+          <p:cNvPr id="9" name="Rektangel: afrundede hjørner 8">
+            <a:extLst>
+              <a:ext uri="{FF2B5EF4-FFF2-40B4-BE49-F238E27FC236}">
+                <a16:creationId xmlns:a16="http://schemas.microsoft.com/office/drawing/2014/main" id="{31261C93-B71D-44F6-9A0F-BC012033D552}"/>
+              </a:ext>
+            </a:extLst>
+          </p:cNvPr>
+          <p:cNvSpPr/>
+          <p:nvPr/>
+        </p:nvSpPr>
+        <p:spPr>
+          <a:xfrm>
+            <a:off x="2396005" y="3491268"/>
+            <a:ext cx="1078847" cy="752679"/>
+          </a:xfrm>
+          <a:prstGeom prst="roundRect">
+            <a:avLst/>
+          </a:prstGeom>
+        </p:spPr>
+        <p:style>
+          <a:lnRef idx="2">
+            <a:schemeClr val="accent1">
+              <a:shade val="50000"/>
+            </a:schemeClr>
+          </a:lnRef>
+          <a:fillRef idx="1">
+            <a:schemeClr val="accent1"/>
+          </a:fillRef>
+          <a:effectRef idx="0">
+            <a:schemeClr val="accent1"/>
+          </a:effectRef>
+          <a:fontRef idx="minor">
+            <a:schemeClr val="lt1"/>
+          </a:fontRef>
+        </p:style>
+        <p:txBody>
+          <a:bodyPr rtlCol="0" anchor="ctr"/>
+          <a:lstStyle/>
+          <a:p>
+            <a:pPr algn="ctr"/>
+            <a:r>
+              <a:rPr lang="da-DK" dirty="0"/>
+              <a:t>Latent </a:t>
+            </a:r>
+            <a:r>
+              <a:rPr lang="da-DK" dirty="0" err="1"/>
+              <a:t>space</a:t>
+            </a:r>
+            <a:endParaRPr lang="da-DK" dirty="0"/>
+          </a:p>
+        </p:txBody>
+      </p:sp>
+      <p:sp>
+        <p:nvSpPr>
+          <p:cNvPr id="10" name="Rektangel: afrundede hjørner 9">
+            <a:extLst>
+              <a:ext uri="{FF2B5EF4-FFF2-40B4-BE49-F238E27FC236}">
+                <a16:creationId xmlns:a16="http://schemas.microsoft.com/office/drawing/2014/main" id="{030CCD4C-24E3-4952-9651-C79C0638B13A}"/>
+              </a:ext>
+            </a:extLst>
+          </p:cNvPr>
+          <p:cNvSpPr/>
+          <p:nvPr/>
+        </p:nvSpPr>
+        <p:spPr>
+          <a:xfrm>
+            <a:off x="401477" y="2720988"/>
+            <a:ext cx="1078847" cy="770280"/>
+          </a:xfrm>
+          <a:prstGeom prst="roundRect">
+            <a:avLst/>
+          </a:prstGeom>
+        </p:spPr>
+        <p:style>
+          <a:lnRef idx="2">
+            <a:schemeClr val="accent1">
+              <a:shade val="50000"/>
+            </a:schemeClr>
+          </a:lnRef>
+          <a:fillRef idx="1">
+            <a:schemeClr val="accent1"/>
+          </a:fillRef>
+          <a:effectRef idx="0">
+            <a:schemeClr val="accent1"/>
+          </a:effectRef>
+          <a:fontRef idx="minor">
+            <a:schemeClr val="lt1"/>
+          </a:fontRef>
+        </p:style>
+        <p:txBody>
+          <a:bodyPr rtlCol="0" anchor="ctr"/>
+          <a:lstStyle/>
+          <a:p>
+            <a:pPr algn="ctr"/>
+            <a:r>
+              <a:rPr lang="da-DK" dirty="0"/>
+              <a:t>VGG16</a:t>
+            </a:r>
+          </a:p>
+        </p:txBody>
+      </p:sp>
+      <p:sp>
+        <p:nvSpPr>
+          <p:cNvPr id="12" name="Rektangel: afrundede hjørner 11">
+            <a:extLst>
+              <a:ext uri="{FF2B5EF4-FFF2-40B4-BE49-F238E27FC236}">
+                <a16:creationId xmlns:a16="http://schemas.microsoft.com/office/drawing/2014/main" id="{690B4719-4191-4A9A-9E06-A410C422571B}"/>
+              </a:ext>
+            </a:extLst>
+          </p:cNvPr>
+          <p:cNvSpPr/>
+          <p:nvPr/>
+        </p:nvSpPr>
+        <p:spPr>
+          <a:xfrm>
+            <a:off x="7450069" y="540228"/>
+            <a:ext cx="1461416" cy="695404"/>
+          </a:xfrm>
+          <a:prstGeom prst="roundRect">
+            <a:avLst/>
+          </a:prstGeom>
+        </p:spPr>
+        <p:style>
+          <a:lnRef idx="2">
+            <a:schemeClr val="accent1">
+              <a:shade val="50000"/>
+            </a:schemeClr>
+          </a:lnRef>
+          <a:fillRef idx="1">
+            <a:schemeClr val="accent1"/>
+          </a:fillRef>
+          <a:effectRef idx="0">
+            <a:schemeClr val="accent1"/>
+          </a:effectRef>
+          <a:fontRef idx="minor">
+            <a:schemeClr val="lt1"/>
+          </a:fontRef>
+        </p:style>
+        <p:txBody>
+          <a:bodyPr rtlCol="0" anchor="ctr"/>
+          <a:lstStyle/>
+          <a:p>
+            <a:pPr algn="ctr"/>
+            <a:r>
+              <a:rPr lang="da-DK" dirty="0"/>
+              <a:t>ML </a:t>
+            </a:r>
+            <a:r>
+              <a:rPr lang="da-DK" dirty="0" err="1"/>
+              <a:t>Classification</a:t>
+            </a:r>
+            <a:endParaRPr lang="da-DK" dirty="0"/>
+          </a:p>
+        </p:txBody>
+      </p:sp>
+      <p:pic>
+        <p:nvPicPr>
+          <p:cNvPr id="13" name="Billede 12">
+            <a:extLst>
+              <a:ext uri="{FF2B5EF4-FFF2-40B4-BE49-F238E27FC236}">
+                <a16:creationId xmlns:a16="http://schemas.microsoft.com/office/drawing/2014/main" id="{85FEB799-BE46-4833-9DB6-9DC086FF23F6}"/>
+              </a:ext>
+            </a:extLst>
+          </p:cNvPr>
+          <p:cNvPicPr>
+            <a:picLocks noChangeAspect="1"/>
+          </p:cNvPicPr>
+          <p:nvPr/>
+        </p:nvPicPr>
+        <p:blipFill>
+          <a:blip r:embed="rId2"/>
+          <a:stretch>
+            <a:fillRect/>
+          </a:stretch>
+        </p:blipFill>
+        <p:spPr>
+          <a:xfrm>
+            <a:off x="349024" y="628899"/>
+            <a:ext cx="1503707" cy="930512"/>
+          </a:xfrm>
+          <a:prstGeom prst="roundRect">
+            <a:avLst>
+              <a:gd name="adj" fmla="val 16667"/>
+            </a:avLst>
+          </a:prstGeom>
+          <a:ln>
+            <a:noFill/>
+          </a:ln>
+          <a:effectLst>
+            <a:outerShdw blurRad="76200" dist="38100" dir="7800000" algn="tl" rotWithShape="0">
+              <a:srgbClr val="000000">
+                <a:alpha val="40000"/>
+              </a:srgbClr>
+            </a:outerShdw>
+          </a:effectLst>
+          <a:scene3d>
+            <a:camera prst="orthographicFront"/>
+            <a:lightRig rig="contrasting" dir="t">
+              <a:rot lat="0" lon="0" rev="4200000"/>
+            </a:lightRig>
+          </a:scene3d>
+          <a:sp3d prstMaterial="plastic">
+            <a:bevelT w="381000" h="114300" prst="relaxedInset"/>
+            <a:contourClr>
+              <a:srgbClr val="969696"/>
+            </a:contourClr>
+          </a:sp3d>
+        </p:spPr>
+      </p:pic>
+      <p:sp>
+        <p:nvSpPr>
+          <p:cNvPr id="18" name="Pil: højre 17">
+            <a:extLst>
+              <a:ext uri="{FF2B5EF4-FFF2-40B4-BE49-F238E27FC236}">
+                <a16:creationId xmlns:a16="http://schemas.microsoft.com/office/drawing/2014/main" id="{E76275BD-F706-4F19-AC2E-A406C184083B}"/>
+              </a:ext>
+            </a:extLst>
+          </p:cNvPr>
+          <p:cNvSpPr/>
+          <p:nvPr/>
+        </p:nvSpPr>
+        <p:spPr>
+          <a:xfrm>
+            <a:off x="2033139" y="832550"/>
+            <a:ext cx="580603" cy="517236"/>
+          </a:xfrm>
+          <a:prstGeom prst="rightArrow">
+            <a:avLst/>
+          </a:prstGeom>
+        </p:spPr>
+        <p:style>
+          <a:lnRef idx="2">
+            <a:schemeClr val="accent1">
+              <a:shade val="50000"/>
+            </a:schemeClr>
+          </a:lnRef>
+          <a:fillRef idx="1">
+            <a:schemeClr val="accent1"/>
+          </a:fillRef>
+          <a:effectRef idx="0">
+            <a:schemeClr val="accent1"/>
+          </a:effectRef>
+          <a:fontRef idx="minor">
+            <a:schemeClr val="lt1"/>
+          </a:fontRef>
+        </p:style>
+        <p:txBody>
+          <a:bodyPr rtlCol="0" anchor="ctr"/>
+          <a:lstStyle/>
+          <a:p>
+            <a:pPr algn="ctr"/>
+            <a:endParaRPr lang="da-DK"/>
+          </a:p>
+        </p:txBody>
+      </p:sp>
+      <p:sp>
+        <p:nvSpPr>
+          <p:cNvPr id="19" name="Pil: højre 18">
+            <a:extLst>
+              <a:ext uri="{FF2B5EF4-FFF2-40B4-BE49-F238E27FC236}">
+                <a16:creationId xmlns:a16="http://schemas.microsoft.com/office/drawing/2014/main" id="{C7C8A7A8-9181-4F6B-BCF9-8612AFDE30DE}"/>
+              </a:ext>
+            </a:extLst>
+          </p:cNvPr>
+          <p:cNvSpPr/>
+          <p:nvPr/>
+        </p:nvSpPr>
+        <p:spPr>
+          <a:xfrm>
+            <a:off x="4818106" y="785046"/>
+            <a:ext cx="580603" cy="517236"/>
+          </a:xfrm>
+          <a:prstGeom prst="rightArrow">
+            <a:avLst/>
+          </a:prstGeom>
+        </p:spPr>
+        <p:style>
+          <a:lnRef idx="2">
+            <a:schemeClr val="accent1">
+              <a:shade val="50000"/>
+            </a:schemeClr>
+          </a:lnRef>
+          <a:fillRef idx="1">
+            <a:schemeClr val="accent1"/>
+          </a:fillRef>
+          <a:effectRef idx="0">
+            <a:schemeClr val="accent1"/>
+          </a:effectRef>
+          <a:fontRef idx="minor">
+            <a:schemeClr val="lt1"/>
+          </a:fontRef>
+        </p:style>
+        <p:txBody>
+          <a:bodyPr rtlCol="0" anchor="ctr"/>
+          <a:lstStyle/>
+          <a:p>
+            <a:pPr algn="ctr"/>
+            <a:endParaRPr lang="da-DK"/>
+          </a:p>
+        </p:txBody>
+      </p:sp>
+      <p:sp>
+        <p:nvSpPr>
+          <p:cNvPr id="21" name="Pil: højre 20">
+            <a:extLst>
+              <a:ext uri="{FF2B5EF4-FFF2-40B4-BE49-F238E27FC236}">
+                <a16:creationId xmlns:a16="http://schemas.microsoft.com/office/drawing/2014/main" id="{48B953A4-C477-4D95-B279-A220AC2FCE35}"/>
+              </a:ext>
+            </a:extLst>
+          </p:cNvPr>
+          <p:cNvSpPr/>
+          <p:nvPr/>
+        </p:nvSpPr>
+        <p:spPr>
+          <a:xfrm rot="5400000">
+            <a:off x="571178" y="3934120"/>
+            <a:ext cx="730535" cy="307306"/>
+          </a:xfrm>
+          <a:prstGeom prst="rightArrow">
+            <a:avLst/>
+          </a:prstGeom>
+        </p:spPr>
+        <p:style>
+          <a:lnRef idx="2">
+            <a:schemeClr val="accent1">
+              <a:shade val="50000"/>
+            </a:schemeClr>
+          </a:lnRef>
+          <a:fillRef idx="1">
+            <a:schemeClr val="accent1"/>
+          </a:fillRef>
+          <a:effectRef idx="0">
+            <a:schemeClr val="accent1"/>
+          </a:effectRef>
+          <a:fontRef idx="minor">
+            <a:schemeClr val="lt1"/>
+          </a:fontRef>
+        </p:style>
+        <p:txBody>
+          <a:bodyPr rtlCol="0" anchor="ctr"/>
+          <a:lstStyle/>
+          <a:p>
+            <a:pPr algn="ctr"/>
+            <a:endParaRPr lang="da-DK" dirty="0"/>
+          </a:p>
+        </p:txBody>
+      </p:sp>
+      <p:pic>
+        <p:nvPicPr>
+          <p:cNvPr id="4" name="Billede 3" descr="Et billede, der indeholder bord, computer, lys&#10;&#10;Automatisk genereret beskrivelse">
+            <a:extLst>
+              <a:ext uri="{FF2B5EF4-FFF2-40B4-BE49-F238E27FC236}">
+                <a16:creationId xmlns:a16="http://schemas.microsoft.com/office/drawing/2014/main" id="{DF5E422D-A2FD-42DD-B040-0EA8561E7B3C}"/>
+              </a:ext>
+            </a:extLst>
+          </p:cNvPr>
+          <p:cNvPicPr>
+            <a:picLocks noChangeAspect="1"/>
+          </p:cNvPicPr>
+          <p:nvPr/>
+        </p:nvPicPr>
+        <p:blipFill>
+          <a:blip r:embed="rId3">
+            <a:extLst>
+              <a:ext uri="{28A0092B-C50C-407E-A947-70E740481C1C}">
+                <a14:useLocalDpi xmlns:a14="http://schemas.microsoft.com/office/drawing/2010/main" val="0"/>
+              </a:ext>
+            </a:extLst>
+          </a:blip>
+          <a:stretch>
+            <a:fillRect/>
+          </a:stretch>
+        </p:blipFill>
+        <p:spPr>
+          <a:xfrm>
+            <a:off x="5515894" y="522961"/>
+            <a:ext cx="1023978" cy="1023978"/>
+          </a:xfrm>
+          <a:prstGeom prst="rect">
+            <a:avLst/>
+          </a:prstGeom>
+        </p:spPr>
+      </p:pic>
+      <p:sp>
+        <p:nvSpPr>
+          <p:cNvPr id="28" name="Pil: højre 27">
+            <a:extLst>
+              <a:ext uri="{FF2B5EF4-FFF2-40B4-BE49-F238E27FC236}">
+                <a16:creationId xmlns:a16="http://schemas.microsoft.com/office/drawing/2014/main" id="{C928F95C-2AEE-465F-959A-C4724DE7DE2B}"/>
+              </a:ext>
+            </a:extLst>
+          </p:cNvPr>
+          <p:cNvSpPr/>
+          <p:nvPr/>
+        </p:nvSpPr>
+        <p:spPr>
+          <a:xfrm>
+            <a:off x="6482306" y="4905672"/>
+            <a:ext cx="730385" cy="181921"/>
+          </a:xfrm>
+          <a:prstGeom prst="rightArrow">
+            <a:avLst/>
+          </a:prstGeom>
+        </p:spPr>
+        <p:style>
+          <a:lnRef idx="2">
+            <a:schemeClr val="accent1">
+              <a:shade val="50000"/>
+            </a:schemeClr>
+          </a:lnRef>
+          <a:fillRef idx="1">
+            <a:schemeClr val="accent1"/>
+          </a:fillRef>
+          <a:effectRef idx="0">
+            <a:schemeClr val="accent1"/>
+          </a:effectRef>
+          <a:fontRef idx="minor">
+            <a:schemeClr val="lt1"/>
+          </a:fontRef>
+        </p:style>
+        <p:txBody>
+          <a:bodyPr rtlCol="0" anchor="ctr"/>
+          <a:lstStyle/>
+          <a:p>
+            <a:pPr algn="ctr"/>
+            <a:endParaRPr lang="da-DK"/>
+          </a:p>
+        </p:txBody>
+      </p:sp>
+      <p:sp>
+        <p:nvSpPr>
+          <p:cNvPr id="29" name="Pil: højre 28">
+            <a:extLst>
+              <a:ext uri="{FF2B5EF4-FFF2-40B4-BE49-F238E27FC236}">
+                <a16:creationId xmlns:a16="http://schemas.microsoft.com/office/drawing/2014/main" id="{B2C3BD5D-0063-485B-B9C6-E3334AE55FF1}"/>
+              </a:ext>
+            </a:extLst>
+          </p:cNvPr>
+          <p:cNvSpPr/>
+          <p:nvPr/>
+        </p:nvSpPr>
+        <p:spPr>
+          <a:xfrm rot="1358708">
+            <a:off x="1618955" y="3387933"/>
+            <a:ext cx="580603" cy="185499"/>
+          </a:xfrm>
+          <a:prstGeom prst="rightArrow">
+            <a:avLst/>
+          </a:prstGeom>
+        </p:spPr>
+        <p:style>
+          <a:lnRef idx="2">
+            <a:schemeClr val="accent1">
+              <a:shade val="50000"/>
+            </a:schemeClr>
+          </a:lnRef>
+          <a:fillRef idx="1">
+            <a:schemeClr val="accent1"/>
+          </a:fillRef>
+          <a:effectRef idx="0">
+            <a:schemeClr val="accent1"/>
+          </a:effectRef>
+          <a:fontRef idx="minor">
+            <a:schemeClr val="lt1"/>
+          </a:fontRef>
+        </p:style>
+        <p:txBody>
+          <a:bodyPr rtlCol="0" anchor="ctr"/>
+          <a:lstStyle/>
+          <a:p>
+            <a:pPr algn="ctr"/>
+            <a:endParaRPr lang="da-DK"/>
+          </a:p>
+        </p:txBody>
+      </p:sp>
+      <p:sp>
+        <p:nvSpPr>
+          <p:cNvPr id="35" name="Rektangel: afrundede hjørner 34">
+            <a:extLst>
+              <a:ext uri="{FF2B5EF4-FFF2-40B4-BE49-F238E27FC236}">
+                <a16:creationId xmlns:a16="http://schemas.microsoft.com/office/drawing/2014/main" id="{972A2E65-E9DB-4ADA-A18E-16382E8966B8}"/>
+              </a:ext>
+            </a:extLst>
+          </p:cNvPr>
+          <p:cNvSpPr/>
+          <p:nvPr/>
+        </p:nvSpPr>
+        <p:spPr>
+          <a:xfrm>
+            <a:off x="300892" y="4632680"/>
+            <a:ext cx="1280015" cy="770280"/>
+          </a:xfrm>
+          <a:prstGeom prst="roundRect">
+            <a:avLst/>
+          </a:prstGeom>
+        </p:spPr>
+        <p:style>
+          <a:lnRef idx="2">
+            <a:schemeClr val="accent1">
+              <a:shade val="50000"/>
+            </a:schemeClr>
+          </a:lnRef>
+          <a:fillRef idx="1">
+            <a:schemeClr val="accent1"/>
+          </a:fillRef>
+          <a:effectRef idx="0">
+            <a:schemeClr val="accent1"/>
+          </a:effectRef>
+          <a:fontRef idx="minor">
+            <a:schemeClr val="lt1"/>
+          </a:fontRef>
+        </p:style>
+        <p:txBody>
+          <a:bodyPr rtlCol="0" anchor="ctr"/>
+          <a:lstStyle/>
+          <a:p>
+            <a:pPr algn="ctr"/>
+            <a:r>
+              <a:rPr lang="da-DK" dirty="0" err="1"/>
+              <a:t>Trained</a:t>
+            </a:r>
+            <a:r>
+              <a:rPr lang="da-DK" dirty="0"/>
+              <a:t> VGG16</a:t>
+            </a:r>
+          </a:p>
+        </p:txBody>
+      </p:sp>
+      <p:sp>
+        <p:nvSpPr>
+          <p:cNvPr id="38" name="Pil: højre 37">
+            <a:extLst>
+              <a:ext uri="{FF2B5EF4-FFF2-40B4-BE49-F238E27FC236}">
+                <a16:creationId xmlns:a16="http://schemas.microsoft.com/office/drawing/2014/main" id="{8811A2FF-FE9D-4F04-9324-B22875E606C5}"/>
+              </a:ext>
+            </a:extLst>
+          </p:cNvPr>
+          <p:cNvSpPr/>
+          <p:nvPr/>
+        </p:nvSpPr>
+        <p:spPr>
+          <a:xfrm rot="21010653">
+            <a:off x="3691383" y="3600571"/>
+            <a:ext cx="718831" cy="304042"/>
+          </a:xfrm>
+          <a:prstGeom prst="rightArrow">
+            <a:avLst/>
+          </a:prstGeom>
+        </p:spPr>
+        <p:style>
+          <a:lnRef idx="2">
+            <a:schemeClr val="accent1">
+              <a:shade val="50000"/>
+            </a:schemeClr>
+          </a:lnRef>
+          <a:fillRef idx="1">
+            <a:schemeClr val="accent1"/>
+          </a:fillRef>
+          <a:effectRef idx="0">
+            <a:schemeClr val="accent1"/>
+          </a:effectRef>
+          <a:fontRef idx="minor">
+            <a:schemeClr val="lt1"/>
+          </a:fontRef>
+        </p:style>
+        <p:txBody>
+          <a:bodyPr rtlCol="0" anchor="ctr"/>
+          <a:lstStyle/>
+          <a:p>
+            <a:pPr algn="ctr"/>
+            <a:endParaRPr lang="da-DK"/>
+          </a:p>
+        </p:txBody>
+      </p:sp>
+      <p:cxnSp>
+        <p:nvCxnSpPr>
+          <p:cNvPr id="7" name="Lige pilforbindelse 6">
+            <a:extLst>
+              <a:ext uri="{FF2B5EF4-FFF2-40B4-BE49-F238E27FC236}">
+                <a16:creationId xmlns:a16="http://schemas.microsoft.com/office/drawing/2014/main" id="{8AE90806-638F-47A3-AC08-33F459E81A88}"/>
+              </a:ext>
+            </a:extLst>
+          </p:cNvPr>
+          <p:cNvCxnSpPr>
+            <a:cxnSpLocks/>
+          </p:cNvCxnSpPr>
+          <p:nvPr/>
+        </p:nvCxnSpPr>
+        <p:spPr>
+          <a:xfrm flipV="1">
+            <a:off x="3550390" y="1302282"/>
+            <a:ext cx="3899679" cy="2221297"/>
+          </a:xfrm>
+          <a:prstGeom prst="straightConnector1">
+            <a:avLst/>
+          </a:prstGeom>
+          <a:ln>
+            <a:tailEnd type="triangle"/>
+          </a:ln>
+        </p:spPr>
+        <p:style>
+          <a:lnRef idx="1">
+            <a:schemeClr val="accent1"/>
+          </a:lnRef>
+          <a:fillRef idx="0">
+            <a:schemeClr val="accent1"/>
+          </a:fillRef>
+          <a:effectRef idx="0">
+            <a:schemeClr val="accent1"/>
+          </a:effectRef>
+          <a:fontRef idx="minor">
+            <a:schemeClr val="tx1"/>
+          </a:fontRef>
+        </p:style>
+      </p:cxnSp>
+      <p:sp>
+        <p:nvSpPr>
+          <p:cNvPr id="46" name="Pil: højre 45">
+            <a:extLst>
+              <a:ext uri="{FF2B5EF4-FFF2-40B4-BE49-F238E27FC236}">
+                <a16:creationId xmlns:a16="http://schemas.microsoft.com/office/drawing/2014/main" id="{F6F0C04E-ADDE-456D-B98F-352FED3A7978}"/>
+              </a:ext>
+            </a:extLst>
+          </p:cNvPr>
+          <p:cNvSpPr/>
+          <p:nvPr/>
+        </p:nvSpPr>
+        <p:spPr>
+          <a:xfrm>
+            <a:off x="1943100" y="4905672"/>
+            <a:ext cx="2329962" cy="287373"/>
+          </a:xfrm>
+          <a:prstGeom prst="rightArrow">
+            <a:avLst/>
+          </a:prstGeom>
+        </p:spPr>
+        <p:style>
+          <a:lnRef idx="2">
+            <a:schemeClr val="accent1">
+              <a:shade val="50000"/>
+            </a:schemeClr>
+          </a:lnRef>
+          <a:fillRef idx="1">
+            <a:schemeClr val="accent1"/>
+          </a:fillRef>
+          <a:effectRef idx="0">
+            <a:schemeClr val="accent1"/>
+          </a:effectRef>
+          <a:fontRef idx="minor">
+            <a:schemeClr val="lt1"/>
+          </a:fontRef>
+        </p:style>
+        <p:txBody>
+          <a:bodyPr rtlCol="0" anchor="ctr"/>
+          <a:lstStyle/>
+          <a:p>
+            <a:pPr algn="ctr"/>
+            <a:endParaRPr lang="da-DK"/>
+          </a:p>
+        </p:txBody>
+      </p:sp>
+      <p:sp>
+        <p:nvSpPr>
+          <p:cNvPr id="49" name="Rektangel: afrundede hjørner 48">
+            <a:extLst>
+              <a:ext uri="{FF2B5EF4-FFF2-40B4-BE49-F238E27FC236}">
+                <a16:creationId xmlns:a16="http://schemas.microsoft.com/office/drawing/2014/main" id="{9D18497C-102B-4833-AB68-B04C84B5114E}"/>
+              </a:ext>
+            </a:extLst>
+          </p:cNvPr>
+          <p:cNvSpPr/>
+          <p:nvPr/>
+        </p:nvSpPr>
+        <p:spPr>
+          <a:xfrm>
+            <a:off x="4551326" y="4534871"/>
+            <a:ext cx="1677568" cy="911347"/>
+          </a:xfrm>
+          <a:prstGeom prst="roundRect">
+            <a:avLst/>
+          </a:prstGeom>
+        </p:spPr>
+        <p:style>
+          <a:lnRef idx="2">
+            <a:schemeClr val="accent1">
+              <a:shade val="50000"/>
+            </a:schemeClr>
+          </a:lnRef>
+          <a:fillRef idx="1">
+            <a:schemeClr val="accent1"/>
+          </a:fillRef>
+          <a:effectRef idx="0">
+            <a:schemeClr val="accent1"/>
+          </a:effectRef>
+          <a:fontRef idx="minor">
+            <a:schemeClr val="lt1"/>
+          </a:fontRef>
+        </p:style>
+        <p:txBody>
+          <a:bodyPr rtlCol="0" anchor="ctr"/>
+          <a:lstStyle/>
+          <a:p>
+            <a:pPr algn="ctr"/>
+            <a:r>
+              <a:rPr lang="da-DK" dirty="0"/>
+              <a:t>CNN </a:t>
+            </a:r>
+            <a:r>
+              <a:rPr lang="da-DK" dirty="0" err="1"/>
+              <a:t>Classification</a:t>
+            </a:r>
+            <a:endParaRPr lang="da-DK" dirty="0"/>
+          </a:p>
+        </p:txBody>
+      </p:sp>
+      <p:sp>
+        <p:nvSpPr>
+          <p:cNvPr id="50" name="Pil: højre 49">
+            <a:extLst>
+              <a:ext uri="{FF2B5EF4-FFF2-40B4-BE49-F238E27FC236}">
+                <a16:creationId xmlns:a16="http://schemas.microsoft.com/office/drawing/2014/main" id="{214E187D-D4E5-4BC5-AA5A-8E565C99B69E}"/>
+              </a:ext>
+            </a:extLst>
+          </p:cNvPr>
+          <p:cNvSpPr/>
+          <p:nvPr/>
+        </p:nvSpPr>
+        <p:spPr>
+          <a:xfrm rot="19773529">
+            <a:off x="1693576" y="4326146"/>
+            <a:ext cx="623181" cy="184198"/>
+          </a:xfrm>
+          <a:prstGeom prst="rightArrow">
+            <a:avLst>
+              <a:gd name="adj1" fmla="val 50000"/>
+              <a:gd name="adj2" fmla="val 41330"/>
+            </a:avLst>
+          </a:prstGeom>
+        </p:spPr>
+        <p:style>
+          <a:lnRef idx="2">
+            <a:schemeClr val="accent1">
+              <a:shade val="50000"/>
+            </a:schemeClr>
+          </a:lnRef>
+          <a:fillRef idx="1">
+            <a:schemeClr val="accent1"/>
+          </a:fillRef>
+          <a:effectRef idx="0">
+            <a:schemeClr val="accent1"/>
+          </a:effectRef>
+          <a:fontRef idx="minor">
+            <a:schemeClr val="lt1"/>
+          </a:fontRef>
+        </p:style>
+        <p:txBody>
+          <a:bodyPr rtlCol="0" anchor="ctr"/>
+          <a:lstStyle/>
+          <a:p>
+            <a:pPr algn="ctr"/>
+            <a:endParaRPr lang="da-DK"/>
+          </a:p>
+        </p:txBody>
+      </p:sp>
+      <p:cxnSp>
+        <p:nvCxnSpPr>
+          <p:cNvPr id="36" name="Lige pilforbindelse 35">
+            <a:extLst>
+              <a:ext uri="{FF2B5EF4-FFF2-40B4-BE49-F238E27FC236}">
+                <a16:creationId xmlns:a16="http://schemas.microsoft.com/office/drawing/2014/main" id="{883137D1-C13B-47D3-A3B8-2D704714B323}"/>
+              </a:ext>
+            </a:extLst>
+          </p:cNvPr>
+          <p:cNvCxnSpPr>
+            <a:cxnSpLocks/>
+          </p:cNvCxnSpPr>
+          <p:nvPr/>
+        </p:nvCxnSpPr>
+        <p:spPr>
+          <a:xfrm flipH="1">
+            <a:off x="1480324" y="1590589"/>
+            <a:ext cx="3952109" cy="1032106"/>
+          </a:xfrm>
+          <a:prstGeom prst="straightConnector1">
+            <a:avLst/>
+          </a:prstGeom>
+          <a:ln>
+            <a:tailEnd type="triangle"/>
+          </a:ln>
+        </p:spPr>
+        <p:style>
+          <a:lnRef idx="1">
+            <a:schemeClr val="accent1"/>
+          </a:lnRef>
+          <a:fillRef idx="0">
+            <a:schemeClr val="accent1"/>
+          </a:fillRef>
+          <a:effectRef idx="0">
+            <a:schemeClr val="accent1"/>
+          </a:effectRef>
+          <a:fontRef idx="minor">
+            <a:schemeClr val="tx1"/>
+          </a:fontRef>
+        </p:style>
+      </p:cxnSp>
+      <p:pic>
+        <p:nvPicPr>
+          <p:cNvPr id="34" name="Billede 33">
+            <a:extLst>
+              <a:ext uri="{FF2B5EF4-FFF2-40B4-BE49-F238E27FC236}">
+                <a16:creationId xmlns:a16="http://schemas.microsoft.com/office/drawing/2014/main" id="{82E733FC-1F62-4950-8DA3-7E48D90400DD}"/>
+              </a:ext>
+            </a:extLst>
+          </p:cNvPr>
+          <p:cNvPicPr>
+            <a:picLocks noChangeAspect="1"/>
+          </p:cNvPicPr>
+          <p:nvPr/>
+        </p:nvPicPr>
+        <p:blipFill>
+          <a:blip r:embed="rId4">
+            <a:extLst>
+              <a:ext uri="{28A0092B-C50C-407E-A947-70E740481C1C}">
+                <a14:useLocalDpi xmlns:a14="http://schemas.microsoft.com/office/drawing/2010/main" val="0"/>
+              </a:ext>
+            </a:extLst>
+          </a:blip>
+          <a:stretch>
+            <a:fillRect/>
+          </a:stretch>
+        </p:blipFill>
+        <p:spPr>
+          <a:xfrm flipH="1">
+            <a:off x="7493234" y="1649976"/>
+            <a:ext cx="3637975" cy="2177188"/>
+          </a:xfrm>
+          <a:prstGeom prst="rect">
+            <a:avLst/>
+          </a:prstGeom>
+        </p:spPr>
+      </p:pic>
+      <p:pic>
+        <p:nvPicPr>
+          <p:cNvPr id="39" name="Billede 38">
+            <a:extLst>
+              <a:ext uri="{FF2B5EF4-FFF2-40B4-BE49-F238E27FC236}">
+                <a16:creationId xmlns:a16="http://schemas.microsoft.com/office/drawing/2014/main" id="{BE664FBE-C17D-4FFE-96A0-D3592A53FE59}"/>
+              </a:ext>
+            </a:extLst>
+          </p:cNvPr>
+          <p:cNvPicPr>
+            <a:picLocks noChangeAspect="1"/>
+          </p:cNvPicPr>
+          <p:nvPr/>
+        </p:nvPicPr>
+        <p:blipFill>
+          <a:blip r:embed="rId5"/>
+          <a:stretch>
+            <a:fillRect/>
+          </a:stretch>
+        </p:blipFill>
+        <p:spPr>
+          <a:xfrm>
+            <a:off x="7442804" y="4062345"/>
+            <a:ext cx="2031574" cy="2038044"/>
+          </a:xfrm>
+          <a:prstGeom prst="rect">
+            <a:avLst/>
+          </a:prstGeom>
+        </p:spPr>
+      </p:pic>
+      <p:pic>
+        <p:nvPicPr>
+          <p:cNvPr id="42" name="Billede 41">
+            <a:extLst>
+              <a:ext uri="{FF2B5EF4-FFF2-40B4-BE49-F238E27FC236}">
+                <a16:creationId xmlns:a16="http://schemas.microsoft.com/office/drawing/2014/main" id="{99880485-FC2D-49D2-9809-09A13C45C20D}"/>
+              </a:ext>
+            </a:extLst>
+          </p:cNvPr>
+          <p:cNvPicPr>
+            <a:picLocks noChangeAspect="1"/>
+          </p:cNvPicPr>
+          <p:nvPr/>
+        </p:nvPicPr>
+        <p:blipFill>
+          <a:blip r:embed="rId6"/>
+          <a:stretch>
+            <a:fillRect/>
+          </a:stretch>
+        </p:blipFill>
+        <p:spPr>
+          <a:xfrm>
+            <a:off x="9583338" y="4082827"/>
+            <a:ext cx="1912412" cy="2017562"/>
+          </a:xfrm>
+          <a:prstGeom prst="rect">
+            <a:avLst/>
+          </a:prstGeom>
+        </p:spPr>
+      </p:pic>
+      <p:pic>
+        <p:nvPicPr>
+          <p:cNvPr id="61" name="Billede 60" descr="Et billede, der indeholder skærmbillede&#10;&#10;Automatisk genereret beskrivelse">
+            <a:extLst>
+              <a:ext uri="{FF2B5EF4-FFF2-40B4-BE49-F238E27FC236}">
+                <a16:creationId xmlns:a16="http://schemas.microsoft.com/office/drawing/2014/main" id="{F65397DC-35D1-431F-8C07-C6B46776589D}"/>
+              </a:ext>
+            </a:extLst>
+          </p:cNvPr>
+          <p:cNvPicPr>
+            <a:picLocks noChangeAspect="1"/>
+          </p:cNvPicPr>
+          <p:nvPr/>
+        </p:nvPicPr>
+        <p:blipFill>
+          <a:blip r:embed="rId7">
+            <a:extLst>
+              <a:ext uri="{28A0092B-C50C-407E-A947-70E740481C1C}">
+                <a14:useLocalDpi xmlns:a14="http://schemas.microsoft.com/office/drawing/2010/main" val="0"/>
+              </a:ext>
+            </a:extLst>
+          </a:blip>
+          <a:stretch>
+            <a:fillRect/>
+          </a:stretch>
+        </p:blipFill>
+        <p:spPr>
+          <a:xfrm>
+            <a:off x="4743161" y="2927591"/>
+            <a:ext cx="1290636" cy="1290636"/>
+          </a:xfrm>
+          <a:prstGeom prst="rect">
+            <a:avLst/>
+          </a:prstGeom>
+        </p:spPr>
+      </p:pic>
+      <p:sp>
+        <p:nvSpPr>
+          <p:cNvPr id="66" name="Tekstfelt 65">
+            <a:extLst>
+              <a:ext uri="{FF2B5EF4-FFF2-40B4-BE49-F238E27FC236}">
+                <a16:creationId xmlns:a16="http://schemas.microsoft.com/office/drawing/2014/main" id="{CE6388F2-1883-4AE2-A3A4-F470E4E8B531}"/>
+              </a:ext>
+            </a:extLst>
+          </p:cNvPr>
+          <p:cNvSpPr txBox="1"/>
+          <p:nvPr/>
+        </p:nvSpPr>
+        <p:spPr>
+          <a:xfrm>
+            <a:off x="2935428" y="230450"/>
+            <a:ext cx="2097572" cy="400110"/>
+          </a:xfrm>
+          <a:prstGeom prst="rect">
+            <a:avLst/>
+          </a:prstGeom>
+          <a:noFill/>
+        </p:spPr>
+        <p:txBody>
+          <a:bodyPr wrap="square" rtlCol="0">
+            <a:spAutoFit/>
+          </a:bodyPr>
+          <a:lstStyle/>
+          <a:p>
+            <a:r>
+              <a:rPr lang="da-DK" sz="2000" b="1" i="1" dirty="0">
+                <a:latin typeface="+mj-lt"/>
+              </a:rPr>
               <a:t>Preprocessing</a:t>
             </a:r>
+          </a:p>
+        </p:txBody>
+      </p:sp>
+      <p:sp>
+        <p:nvSpPr>
+          <p:cNvPr id="68" name="Tekstfelt 67">
+            <a:extLst>
+              <a:ext uri="{FF2B5EF4-FFF2-40B4-BE49-F238E27FC236}">
+                <a16:creationId xmlns:a16="http://schemas.microsoft.com/office/drawing/2014/main" id="{84032443-5B4E-408C-91D2-EB1ADABF8C67}"/>
+              </a:ext>
+            </a:extLst>
+          </p:cNvPr>
+          <p:cNvSpPr txBox="1"/>
+          <p:nvPr/>
+        </p:nvSpPr>
+        <p:spPr>
+          <a:xfrm>
+            <a:off x="1758925" y="5798594"/>
+            <a:ext cx="3394906" cy="400110"/>
+          </a:xfrm>
+          <a:prstGeom prst="rect">
+            <a:avLst/>
+          </a:prstGeom>
+          <a:noFill/>
+        </p:spPr>
+        <p:txBody>
+          <a:bodyPr wrap="square" rtlCol="0">
+            <a:spAutoFit/>
+          </a:bodyPr>
+          <a:lstStyle/>
+          <a:p>
+            <a:r>
+              <a:rPr lang="da-DK" sz="2000" b="1" i="1" dirty="0">
+                <a:latin typeface="+mj-lt"/>
+              </a:rPr>
+              <a:t>CNN and latent representation</a:t>
+            </a:r>
+          </a:p>
+        </p:txBody>
+      </p:sp>
+      <p:sp>
+        <p:nvSpPr>
+          <p:cNvPr id="73" name="Tekstfelt 72">
+            <a:extLst>
+              <a:ext uri="{FF2B5EF4-FFF2-40B4-BE49-F238E27FC236}">
+                <a16:creationId xmlns:a16="http://schemas.microsoft.com/office/drawing/2014/main" id="{F812FDD8-29D6-49DA-931A-A25D93F025B8}"/>
+              </a:ext>
+            </a:extLst>
+          </p:cNvPr>
+          <p:cNvSpPr txBox="1"/>
+          <p:nvPr/>
+        </p:nvSpPr>
+        <p:spPr>
+          <a:xfrm>
+            <a:off x="8761820" y="6133106"/>
+            <a:ext cx="2405530" cy="400110"/>
+          </a:xfrm>
+          <a:prstGeom prst="rect">
+            <a:avLst/>
+          </a:prstGeom>
+          <a:noFill/>
+        </p:spPr>
+        <p:txBody>
+          <a:bodyPr wrap="square" rtlCol="0">
+            <a:spAutoFit/>
+          </a:bodyPr>
+          <a:lstStyle/>
+          <a:p>
+            <a:r>
+              <a:rPr lang="da-DK" sz="2000" b="1" i="1" dirty="0">
+                <a:latin typeface="+mj-lt"/>
+              </a:rPr>
+              <a:t>Explainability</a:t>
+            </a:r>
+            <a:endParaRPr lang="da-DK" b="1" i="1" dirty="0">
+              <a:latin typeface="+mj-lt"/>
+            </a:endParaRPr>
+          </a:p>
+        </p:txBody>
+      </p:sp>
+      <p:sp>
+        <p:nvSpPr>
+          <p:cNvPr id="84" name="Pil: højre 83">
+            <a:extLst>
+              <a:ext uri="{FF2B5EF4-FFF2-40B4-BE49-F238E27FC236}">
+                <a16:creationId xmlns:a16="http://schemas.microsoft.com/office/drawing/2014/main" id="{5F9C6DB9-0598-4EE8-BA1B-AE02B663587E}"/>
+              </a:ext>
+            </a:extLst>
+          </p:cNvPr>
+          <p:cNvSpPr/>
+          <p:nvPr/>
+        </p:nvSpPr>
+        <p:spPr>
+          <a:xfrm>
+            <a:off x="6763784" y="814206"/>
+            <a:ext cx="474779" cy="170399"/>
+          </a:xfrm>
+          <a:prstGeom prst="rightArrow">
+            <a:avLst/>
+          </a:prstGeom>
+        </p:spPr>
+        <p:style>
+          <a:lnRef idx="2">
+            <a:schemeClr val="accent1">
+              <a:shade val="50000"/>
+            </a:schemeClr>
+          </a:lnRef>
+          <a:fillRef idx="1">
+            <a:schemeClr val="accent1"/>
+          </a:fillRef>
+          <a:effectRef idx="0">
+            <a:schemeClr val="accent1"/>
+          </a:effectRef>
+          <a:fontRef idx="minor">
+            <a:schemeClr val="lt1"/>
+          </a:fontRef>
+        </p:style>
+        <p:txBody>
+          <a:bodyPr rtlCol="0" anchor="ctr"/>
+          <a:lstStyle/>
+          <a:p>
+            <a:pPr algn="ctr"/>
+            <a:endParaRPr lang="da-DK"/>
+          </a:p>
+        </p:txBody>
+      </p:sp>
+      <p:sp>
+        <p:nvSpPr>
+          <p:cNvPr id="91" name="Pil: højre 90">
+            <a:extLst>
+              <a:ext uri="{FF2B5EF4-FFF2-40B4-BE49-F238E27FC236}">
+                <a16:creationId xmlns:a16="http://schemas.microsoft.com/office/drawing/2014/main" id="{64ED1049-83EC-4AE1-8691-A623995C0F4A}"/>
+              </a:ext>
+            </a:extLst>
+          </p:cNvPr>
+          <p:cNvSpPr/>
+          <p:nvPr/>
+        </p:nvSpPr>
+        <p:spPr>
+          <a:xfrm rot="18438834">
+            <a:off x="6047076" y="3920024"/>
+            <a:ext cx="1504327" cy="142500"/>
+          </a:xfrm>
+          <a:prstGeom prst="rightArrow">
+            <a:avLst/>
+          </a:prstGeom>
+        </p:spPr>
+        <p:style>
+          <a:lnRef idx="2">
+            <a:schemeClr val="accent1">
+              <a:shade val="50000"/>
+            </a:schemeClr>
+          </a:lnRef>
+          <a:fillRef idx="1">
+            <a:schemeClr val="accent1"/>
+          </a:fillRef>
+          <a:effectRef idx="0">
+            <a:schemeClr val="accent1"/>
+          </a:effectRef>
+          <a:fontRef idx="minor">
+            <a:schemeClr val="lt1"/>
+          </a:fontRef>
+        </p:style>
+        <p:txBody>
+          <a:bodyPr rtlCol="0" anchor="ctr"/>
+          <a:lstStyle/>
+          <a:p>
+            <a:pPr algn="ctr"/>
+            <a:endParaRPr lang="da-DK"/>
+          </a:p>
+        </p:txBody>
+      </p:sp>
+      <p:sp>
+        <p:nvSpPr>
+          <p:cNvPr id="96" name="Pil: højre 95">
+            <a:extLst>
+              <a:ext uri="{FF2B5EF4-FFF2-40B4-BE49-F238E27FC236}">
+                <a16:creationId xmlns:a16="http://schemas.microsoft.com/office/drawing/2014/main" id="{679E6FA8-A669-4A77-BFCC-5047570E2069}"/>
+              </a:ext>
+            </a:extLst>
+          </p:cNvPr>
+          <p:cNvSpPr/>
+          <p:nvPr/>
+        </p:nvSpPr>
+        <p:spPr>
+          <a:xfrm rot="6442573">
+            <a:off x="5328056" y="2070699"/>
+            <a:ext cx="964816" cy="227716"/>
+          </a:xfrm>
+          <a:prstGeom prst="rightArrow">
+            <a:avLst/>
+          </a:prstGeom>
+        </p:spPr>
+        <p:style>
+          <a:lnRef idx="2">
+            <a:schemeClr val="accent1">
+              <a:shade val="50000"/>
+            </a:schemeClr>
+          </a:lnRef>
+          <a:fillRef idx="1">
+            <a:schemeClr val="accent1"/>
+          </a:fillRef>
+          <a:effectRef idx="0">
+            <a:schemeClr val="accent1"/>
+          </a:effectRef>
+          <a:fontRef idx="minor">
+            <a:schemeClr val="lt1"/>
+          </a:fontRef>
+        </p:style>
+        <p:txBody>
+          <a:bodyPr rtlCol="0" anchor="ctr"/>
+          <a:lstStyle/>
+          <a:p>
+            <a:pPr algn="ctr"/>
+            <a:endParaRPr lang="da-DK"/>
+          </a:p>
+        </p:txBody>
+      </p:sp>
+      <p:sp>
+        <p:nvSpPr>
+          <p:cNvPr id="97" name="Pil: højre 96">
+            <a:extLst>
+              <a:ext uri="{FF2B5EF4-FFF2-40B4-BE49-F238E27FC236}">
+                <a16:creationId xmlns:a16="http://schemas.microsoft.com/office/drawing/2014/main" id="{98C53F36-7115-4305-8ECD-F27947D6CBC7}"/>
+              </a:ext>
+            </a:extLst>
+          </p:cNvPr>
+          <p:cNvSpPr/>
+          <p:nvPr/>
+        </p:nvSpPr>
+        <p:spPr>
+          <a:xfrm rot="4262064">
+            <a:off x="8754828" y="1362039"/>
+            <a:ext cx="280999" cy="185774"/>
+          </a:xfrm>
+          <a:prstGeom prst="rightArrow">
+            <a:avLst/>
+          </a:prstGeom>
+        </p:spPr>
+        <p:style>
+          <a:lnRef idx="2">
+            <a:schemeClr val="accent1">
+              <a:shade val="50000"/>
+            </a:schemeClr>
+          </a:lnRef>
+          <a:fillRef idx="1">
+            <a:schemeClr val="accent1"/>
+          </a:fillRef>
+          <a:effectRef idx="0">
+            <a:schemeClr val="accent1"/>
+          </a:effectRef>
+          <a:fontRef idx="minor">
+            <a:schemeClr val="lt1"/>
+          </a:fontRef>
+        </p:style>
+        <p:txBody>
+          <a:bodyPr rtlCol="0" anchor="ctr"/>
+          <a:lstStyle/>
+          <a:p>
+            <a:pPr algn="ctr"/>
+            <a:endParaRPr lang="da-DK"/>
+          </a:p>
+        </p:txBody>
+      </p:sp>
+      <p:sp>
+        <p:nvSpPr>
+          <p:cNvPr id="99" name="Tekstfelt 98">
+            <a:extLst>
+              <a:ext uri="{FF2B5EF4-FFF2-40B4-BE49-F238E27FC236}">
+                <a16:creationId xmlns:a16="http://schemas.microsoft.com/office/drawing/2014/main" id="{DC447D5A-B6DF-4D8A-A7D1-945A4823B22D}"/>
+              </a:ext>
+            </a:extLst>
+          </p:cNvPr>
+          <p:cNvSpPr txBox="1"/>
+          <p:nvPr/>
+        </p:nvSpPr>
+        <p:spPr>
+          <a:xfrm>
+            <a:off x="9373347" y="600380"/>
+            <a:ext cx="1977522" cy="400110"/>
+          </a:xfrm>
+          <a:prstGeom prst="rect">
+            <a:avLst/>
+          </a:prstGeom>
+          <a:noFill/>
+        </p:spPr>
+        <p:txBody>
+          <a:bodyPr wrap="square" rtlCol="0">
+            <a:spAutoFit/>
+          </a:bodyPr>
+          <a:lstStyle/>
+          <a:p>
+            <a:r>
+              <a:rPr lang="da-DK" sz="2000" b="1" i="1" dirty="0">
+                <a:latin typeface="+mj-lt"/>
+              </a:rPr>
+              <a:t>Novelty detection</a:t>
+            </a:r>
+          </a:p>
+        </p:txBody>
+      </p:sp>
+      <p:sp>
+        <p:nvSpPr>
+          <p:cNvPr id="102" name="Pil: højre 101">
+            <a:extLst>
+              <a:ext uri="{FF2B5EF4-FFF2-40B4-BE49-F238E27FC236}">
+                <a16:creationId xmlns:a16="http://schemas.microsoft.com/office/drawing/2014/main" id="{3772528F-BEAE-44CE-9897-00978B27B82F}"/>
+              </a:ext>
+            </a:extLst>
+          </p:cNvPr>
+          <p:cNvSpPr/>
+          <p:nvPr/>
+        </p:nvSpPr>
+        <p:spPr>
+          <a:xfrm rot="19914143">
+            <a:off x="6338183" y="3183081"/>
+            <a:ext cx="1007524" cy="96544"/>
+          </a:xfrm>
+          <a:prstGeom prst="rightArrow">
+            <a:avLst/>
+          </a:prstGeom>
+        </p:spPr>
+        <p:style>
+          <a:lnRef idx="2">
+            <a:schemeClr val="accent1">
+              <a:shade val="50000"/>
+            </a:schemeClr>
+          </a:lnRef>
+          <a:fillRef idx="1">
+            <a:schemeClr val="accent1"/>
+          </a:fillRef>
+          <a:effectRef idx="0">
+            <a:schemeClr val="accent1"/>
+          </a:effectRef>
+          <a:fontRef idx="minor">
+            <a:schemeClr val="lt1"/>
+          </a:fontRef>
+        </p:style>
+        <p:txBody>
+          <a:bodyPr rtlCol="0" anchor="ctr"/>
+          <a:lstStyle/>
+          <a:p>
+            <a:pPr algn="ctr"/>
+            <a:endParaRPr lang="da-DK"/>
+          </a:p>
+        </p:txBody>
+      </p:sp>
+    </p:spTree>
+    <p:extLst>
+      <p:ext uri="{BB962C8B-B14F-4D97-AF65-F5344CB8AC3E}">
+        <p14:creationId xmlns:p14="http://schemas.microsoft.com/office/powerpoint/2010/main" val="2276588337"/>
+      </p:ext>
+    </p:extLst>
+  </p:cSld>
+  <p:clrMapOvr>
+    <a:masterClrMapping/>
+  </p:clrMapOvr>
+</p:sld>
+</file>
+
+<file path=ppt/slides/slide4.xml><?xml version="1.0" encoding="utf-8"?>
+<p:sld xmlns:a="http://schemas.openxmlformats.org/drawingml/2006/main" xmlns:r="http://schemas.openxmlformats.org/officeDocument/2006/relationships" xmlns:p="http://schemas.openxmlformats.org/presentationml/2006/main">
+  <p:cSld>
+    <p:spTree>
+      <p:nvGrpSpPr>
+        <p:cNvPr id="1" name=""/>
+        <p:cNvGrpSpPr/>
+        <p:nvPr/>
+      </p:nvGrpSpPr>
+      <p:grpSpPr>
+        <a:xfrm>
+          <a:off x="0" y="0"/>
+          <a:ext cx="0" cy="0"/>
+          <a:chOff x="0" y="0"/>
+          <a:chExt cx="0" cy="0"/>
+        </a:xfrm>
+      </p:grpSpPr>
+      <p:sp>
+        <p:nvSpPr>
+          <p:cNvPr id="5" name="Rektangel: afrundede hjørner 4">
+            <a:extLst>
+              <a:ext uri="{FF2B5EF4-FFF2-40B4-BE49-F238E27FC236}">
+                <a16:creationId xmlns:a16="http://schemas.microsoft.com/office/drawing/2014/main" id="{8E8B6A2D-623B-4C90-A1AA-8F7EA0501AA8}"/>
+              </a:ext>
+            </a:extLst>
+          </p:cNvPr>
+          <p:cNvSpPr/>
+          <p:nvPr/>
+        </p:nvSpPr>
+        <p:spPr>
+          <a:xfrm>
+            <a:off x="4635415" y="956039"/>
+            <a:ext cx="3224515" cy="2053759"/>
+          </a:xfrm>
+          <a:prstGeom prst="roundRect">
+            <a:avLst/>
+          </a:prstGeom>
+        </p:spPr>
+        <p:style>
+          <a:lnRef idx="2">
+            <a:schemeClr val="accent1">
+              <a:shade val="50000"/>
+            </a:schemeClr>
+          </a:lnRef>
+          <a:fillRef idx="1">
+            <a:schemeClr val="accent1"/>
+          </a:fillRef>
+          <a:effectRef idx="0">
+            <a:schemeClr val="accent1"/>
+          </a:effectRef>
+          <a:fontRef idx="minor">
+            <a:schemeClr val="lt1"/>
+          </a:fontRef>
+        </p:style>
+        <p:txBody>
+          <a:bodyPr rtlCol="0" anchor="ctr"/>
+          <a:lstStyle/>
+          <a:p>
+            <a:pPr marL="285750" indent="-285750">
+              <a:buFont typeface="Arial" panose="020B0604020202020204" pitchFamily="34" charset="0"/>
+              <a:buChar char="•"/>
+            </a:pPr>
             <a:r>
               <a:rPr lang="da-DK" dirty="0"/>
-              <a:t> data:</a:t>
+              <a:t>Opdeling af signal til hver EEG kanal. </a:t>
+            </a:r>
+          </a:p>
+          <a:p>
+            <a:pPr marL="285750" indent="-285750">
+              <a:buFont typeface="Arial" panose="020B0604020202020204" pitchFamily="34" charset="0"/>
+              <a:buChar char="•"/>
+            </a:pPr>
+            <a:r>
+              <a:rPr lang="da-DK" dirty="0"/>
+              <a:t>Standardiser BC og TUH.</a:t>
+            </a:r>
+          </a:p>
+        </p:txBody>
+      </p:sp>
+      <p:sp>
+        <p:nvSpPr>
+          <p:cNvPr id="10" name="Rektangel: afrundede hjørner 9">
+            <a:extLst>
+              <a:ext uri="{FF2B5EF4-FFF2-40B4-BE49-F238E27FC236}">
+                <a16:creationId xmlns:a16="http://schemas.microsoft.com/office/drawing/2014/main" id="{030CCD4C-24E3-4952-9651-C79C0638B13A}"/>
+              </a:ext>
+            </a:extLst>
+          </p:cNvPr>
+          <p:cNvSpPr/>
+          <p:nvPr/>
+        </p:nvSpPr>
+        <p:spPr>
+          <a:xfrm>
+            <a:off x="7632740" y="4069876"/>
+            <a:ext cx="2039815" cy="1543805"/>
+          </a:xfrm>
+          <a:prstGeom prst="roundRect">
+            <a:avLst/>
+          </a:prstGeom>
+        </p:spPr>
+        <p:style>
+          <a:lnRef idx="2">
+            <a:schemeClr val="accent1">
+              <a:shade val="50000"/>
+            </a:schemeClr>
+          </a:lnRef>
+          <a:fillRef idx="1">
+            <a:schemeClr val="accent1"/>
+          </a:fillRef>
+          <a:effectRef idx="0">
+            <a:schemeClr val="accent1"/>
+          </a:effectRef>
+          <a:fontRef idx="minor">
+            <a:schemeClr val="lt1"/>
+          </a:fontRef>
+        </p:style>
+        <p:txBody>
+          <a:bodyPr rtlCol="0" anchor="ctr"/>
+          <a:lstStyle/>
+          <a:p>
+            <a:pPr algn="ctr"/>
+            <a:r>
+              <a:rPr lang="da-DK" dirty="0" err="1"/>
+              <a:t>Pretrained</a:t>
+            </a:r>
+            <a:r>
+              <a:rPr lang="da-DK" dirty="0"/>
+              <a:t> </a:t>
+            </a:r>
+            <a:r>
+              <a:rPr lang="da-DK" dirty="0" err="1"/>
+              <a:t>ImageNet</a:t>
+            </a:r>
+            <a:r>
+              <a:rPr lang="da-DK" dirty="0"/>
+              <a:t> (CNN). </a:t>
+            </a:r>
+            <a:r>
+              <a:rPr lang="da-DK" dirty="0" err="1"/>
+              <a:t>Add</a:t>
+            </a:r>
+            <a:r>
+              <a:rPr lang="da-DK" dirty="0"/>
+              <a:t> extra </a:t>
+            </a:r>
+            <a:r>
+              <a:rPr lang="da-DK" dirty="0" err="1"/>
+              <a:t>layer</a:t>
+            </a:r>
+            <a:r>
+              <a:rPr lang="da-DK" dirty="0"/>
+              <a:t> and </a:t>
+            </a:r>
+            <a:r>
+              <a:rPr lang="da-DK" dirty="0" err="1"/>
+              <a:t>train</a:t>
+            </a:r>
+            <a:r>
+              <a:rPr lang="da-DK" dirty="0"/>
+              <a:t> on labelled data</a:t>
+            </a:r>
+          </a:p>
+          <a:p>
+            <a:pPr algn="ctr"/>
+            <a:endParaRPr lang="da-DK" dirty="0"/>
+          </a:p>
+        </p:txBody>
+      </p:sp>
+      <p:sp>
+        <p:nvSpPr>
+          <p:cNvPr id="11" name="Rektangel: afrundede hjørner 10">
+            <a:extLst>
+              <a:ext uri="{FF2B5EF4-FFF2-40B4-BE49-F238E27FC236}">
+                <a16:creationId xmlns:a16="http://schemas.microsoft.com/office/drawing/2014/main" id="{8713450F-01B8-4141-8CA8-1D0D9CA3D672}"/>
+              </a:ext>
+            </a:extLst>
+          </p:cNvPr>
+          <p:cNvSpPr/>
+          <p:nvPr/>
+        </p:nvSpPr>
+        <p:spPr>
+          <a:xfrm>
+            <a:off x="764949" y="4474200"/>
+            <a:ext cx="2039815" cy="1292469"/>
+          </a:xfrm>
+          <a:prstGeom prst="roundRect">
+            <a:avLst/>
+          </a:prstGeom>
+        </p:spPr>
+        <p:style>
+          <a:lnRef idx="2">
+            <a:schemeClr val="accent1">
+              <a:shade val="50000"/>
+            </a:schemeClr>
+          </a:lnRef>
+          <a:fillRef idx="1">
+            <a:schemeClr val="accent1"/>
+          </a:fillRef>
+          <a:effectRef idx="0">
+            <a:schemeClr val="accent1"/>
+          </a:effectRef>
+          <a:fontRef idx="minor">
+            <a:schemeClr val="lt1"/>
+          </a:fontRef>
+        </p:style>
+        <p:txBody>
+          <a:bodyPr rtlCol="0" anchor="ctr"/>
+          <a:lstStyle/>
+          <a:p>
+            <a:pPr algn="ctr"/>
+            <a:r>
+              <a:rPr lang="da-DK" dirty="0"/>
+              <a:t>GMM</a:t>
+            </a:r>
+          </a:p>
+        </p:txBody>
+      </p:sp>
+      <p:pic>
+        <p:nvPicPr>
+          <p:cNvPr id="13" name="Billede 12">
+            <a:extLst>
+              <a:ext uri="{FF2B5EF4-FFF2-40B4-BE49-F238E27FC236}">
+                <a16:creationId xmlns:a16="http://schemas.microsoft.com/office/drawing/2014/main" id="{85FEB799-BE46-4833-9DB6-9DC086FF23F6}"/>
+              </a:ext>
+            </a:extLst>
+          </p:cNvPr>
+          <p:cNvPicPr>
+            <a:picLocks noChangeAspect="1"/>
+          </p:cNvPicPr>
+          <p:nvPr/>
+        </p:nvPicPr>
+        <p:blipFill>
+          <a:blip r:embed="rId2"/>
+          <a:stretch>
+            <a:fillRect/>
+          </a:stretch>
+        </p:blipFill>
+        <p:spPr>
+          <a:xfrm>
+            <a:off x="277463" y="982719"/>
+            <a:ext cx="3038209" cy="1880080"/>
+          </a:xfrm>
+          <a:prstGeom prst="roundRect">
+            <a:avLst>
+              <a:gd name="adj" fmla="val 16667"/>
+            </a:avLst>
+          </a:prstGeom>
+          <a:ln>
+            <a:noFill/>
+          </a:ln>
+          <a:effectLst>
+            <a:outerShdw blurRad="76200" dist="38100" dir="7800000" algn="tl" rotWithShape="0">
+              <a:srgbClr val="000000">
+                <a:alpha val="40000"/>
+              </a:srgbClr>
+            </a:outerShdw>
+          </a:effectLst>
+          <a:scene3d>
+            <a:camera prst="orthographicFront"/>
+            <a:lightRig rig="contrasting" dir="t">
+              <a:rot lat="0" lon="0" rev="4200000"/>
+            </a:lightRig>
+          </a:scene3d>
+          <a:sp3d prstMaterial="plastic">
+            <a:bevelT w="381000" h="114300" prst="relaxedInset"/>
+            <a:contourClr>
+              <a:srgbClr val="969696"/>
+            </a:contourClr>
+          </a:sp3d>
+        </p:spPr>
+      </p:pic>
+      <p:sp>
+        <p:nvSpPr>
+          <p:cNvPr id="14" name="Tekstfelt 13">
+            <a:extLst>
+              <a:ext uri="{FF2B5EF4-FFF2-40B4-BE49-F238E27FC236}">
+                <a16:creationId xmlns:a16="http://schemas.microsoft.com/office/drawing/2014/main" id="{9F3ADEB9-562D-449F-8225-12A43D05BF85}"/>
+              </a:ext>
+            </a:extLst>
+          </p:cNvPr>
+          <p:cNvSpPr txBox="1"/>
+          <p:nvPr/>
+        </p:nvSpPr>
+        <p:spPr>
+          <a:xfrm>
+            <a:off x="479526" y="491079"/>
+            <a:ext cx="2376613" cy="369332"/>
+          </a:xfrm>
+          <a:prstGeom prst="rect">
+            <a:avLst/>
+          </a:prstGeom>
+          <a:noFill/>
+        </p:spPr>
+        <p:txBody>
+          <a:bodyPr wrap="none" rtlCol="0">
+            <a:spAutoFit/>
+          </a:bodyPr>
+          <a:lstStyle/>
+          <a:p>
+            <a:r>
+              <a:rPr lang="da-DK" dirty="0"/>
+              <a:t>Import af et helt signal:</a:t>
+            </a:r>
+          </a:p>
+        </p:txBody>
+      </p:sp>
+      <p:sp>
+        <p:nvSpPr>
+          <p:cNvPr id="15" name="Tekstfelt 14">
+            <a:extLst>
+              <a:ext uri="{FF2B5EF4-FFF2-40B4-BE49-F238E27FC236}">
+                <a16:creationId xmlns:a16="http://schemas.microsoft.com/office/drawing/2014/main" id="{4888037A-96C9-459D-B836-35571427049F}"/>
+              </a:ext>
+            </a:extLst>
+          </p:cNvPr>
+          <p:cNvSpPr txBox="1"/>
+          <p:nvPr/>
+        </p:nvSpPr>
+        <p:spPr>
+          <a:xfrm>
+            <a:off x="5267071" y="491079"/>
+            <a:ext cx="2022861" cy="369332"/>
+          </a:xfrm>
+          <a:prstGeom prst="rect">
+            <a:avLst/>
+          </a:prstGeom>
+          <a:noFill/>
+        </p:spPr>
+        <p:txBody>
+          <a:bodyPr wrap="none" rtlCol="0">
+            <a:spAutoFit/>
+          </a:bodyPr>
+          <a:lstStyle/>
+          <a:p>
+            <a:r>
+              <a:rPr lang="da-DK" dirty="0"/>
+              <a:t>Preprocessing data:</a:t>
             </a:r>
           </a:p>
         </p:txBody>

--- a/projectPipeline.pptx
+++ b/projectPipeline.pptx
@@ -6129,8 +6129,8 @@
         </p:nvSpPr>
         <p:spPr>
           <a:xfrm>
-            <a:off x="7344452" y="3961842"/>
-            <a:ext cx="4366902" cy="2582530"/>
+            <a:off x="7367934" y="3961842"/>
+            <a:ext cx="4343420" cy="2582530"/>
           </a:xfrm>
           <a:prstGeom prst="rect">
             <a:avLst/>
@@ -6276,8 +6276,8 @@
         </p:nvSpPr>
         <p:spPr>
           <a:xfrm>
-            <a:off x="219808" y="259430"/>
-            <a:ext cx="6449121" cy="1532506"/>
+            <a:off x="91500" y="259430"/>
+            <a:ext cx="6183159" cy="1532506"/>
           </a:xfrm>
           <a:prstGeom prst="rect">
             <a:avLst/>
@@ -6287,7 +6287,7 @@
           </a:solidFill>
           <a:ln>
             <a:solidFill>
-              <a:srgbClr val="92D050"/>
+              <a:schemeClr val="tx1"/>
             </a:solidFill>
           </a:ln>
         </p:spPr>
@@ -6330,8 +6330,8 @@
         </p:nvSpPr>
         <p:spPr>
           <a:xfrm>
-            <a:off x="2794151" y="682366"/>
-            <a:ext cx="1877798" cy="723874"/>
+            <a:off x="2437652" y="759830"/>
+            <a:ext cx="1698426" cy="723874"/>
           </a:xfrm>
           <a:prstGeom prst="roundRect">
             <a:avLst/>
@@ -6577,7 +6577,7 @@
         </p:blipFill>
         <p:spPr>
           <a:xfrm>
-            <a:off x="349024" y="628899"/>
+            <a:off x="179930" y="603818"/>
             <a:ext cx="1503707" cy="930512"/>
           </a:xfrm>
           <a:prstGeom prst="roundRect">
@@ -6623,8 +6623,8 @@
         </p:nvSpPr>
         <p:spPr>
           <a:xfrm>
-            <a:off x="2033139" y="832550"/>
-            <a:ext cx="580603" cy="517236"/>
+            <a:off x="1800822" y="984604"/>
+            <a:ext cx="519645" cy="232375"/>
           </a:xfrm>
           <a:prstGeom prst="rightArrow">
             <a:avLst/>
@@ -6669,8 +6669,8 @@
         </p:nvSpPr>
         <p:spPr>
           <a:xfrm>
-            <a:off x="4818106" y="785046"/>
-            <a:ext cx="580603" cy="517236"/>
+            <a:off x="4292380" y="985605"/>
+            <a:ext cx="517892" cy="269163"/>
           </a:xfrm>
           <a:prstGeom prst="rightArrow">
             <a:avLst/>
@@ -6775,7 +6775,7 @@
         </p:blipFill>
         <p:spPr>
           <a:xfrm>
-            <a:off x="5515894" y="522961"/>
+            <a:off x="4896967" y="566611"/>
             <a:ext cx="1023978" cy="1023978"/>
           </a:xfrm>
           <a:prstGeom prst="rect">
@@ -7180,8 +7180,8 @@
         </p:nvCxnSpPr>
         <p:spPr>
           <a:xfrm flipH="1">
-            <a:off x="1480324" y="1590589"/>
-            <a:ext cx="3952109" cy="1032106"/>
+            <a:off x="1580907" y="1607529"/>
+            <a:ext cx="3265829" cy="1095554"/>
           </a:xfrm>
           <a:prstGeom prst="straightConnector1">
             <a:avLst/>
@@ -7263,7 +7263,7 @@
         </p:blipFill>
         <p:spPr>
           <a:xfrm>
-            <a:off x="7442804" y="4062345"/>
+            <a:off x="7443966" y="4438867"/>
             <a:ext cx="2031574" cy="2038044"/>
           </a:xfrm>
           <a:prstGeom prst="rect">
@@ -7293,7 +7293,7 @@
         </p:blipFill>
         <p:spPr>
           <a:xfrm>
-            <a:off x="9583338" y="4082827"/>
+            <a:off x="9732515" y="4459349"/>
             <a:ext cx="1912412" cy="2017562"/>
           </a:xfrm>
           <a:prstGeom prst="rect">
@@ -7351,8 +7351,8 @@
         </p:nvSpPr>
         <p:spPr>
           <a:xfrm>
-            <a:off x="2935428" y="230450"/>
-            <a:ext cx="2097572" cy="400110"/>
+            <a:off x="2467536" y="231131"/>
+            <a:ext cx="1638657" cy="400110"/>
           </a:xfrm>
           <a:prstGeom prst="rect">
             <a:avLst/>
@@ -7388,8 +7388,8 @@
         </p:nvSpPr>
         <p:spPr>
           <a:xfrm>
-            <a:off x="1758925" y="5798594"/>
-            <a:ext cx="3394906" cy="400110"/>
+            <a:off x="1304686" y="5816869"/>
+            <a:ext cx="3261483" cy="400110"/>
           </a:xfrm>
           <a:prstGeom prst="rect">
             <a:avLst/>
@@ -7425,8 +7425,8 @@
         </p:nvSpPr>
         <p:spPr>
           <a:xfrm>
-            <a:off x="8761820" y="6133106"/>
-            <a:ext cx="2405530" cy="400110"/>
+            <a:off x="8911485" y="3972429"/>
+            <a:ext cx="1560349" cy="400110"/>
           </a:xfrm>
           <a:prstGeom prst="rect">
             <a:avLst/>
@@ -7556,8 +7556,8 @@
           <p:nvPr/>
         </p:nvSpPr>
         <p:spPr>
-          <a:xfrm rot="6442573">
-            <a:off x="5328056" y="2070699"/>
+          <a:xfrm rot="5400000">
+            <a:off x="4941288" y="2082688"/>
             <a:ext cx="964816" cy="227716"/>
           </a:xfrm>
           <a:prstGeom prst="rightArrow">
